--- a/Final Research Presentation.pptx
+++ b/Final Research Presentation.pptx
@@ -4,12 +4,23 @@
   <p:sldMasterIdLst>
     <p:sldMasterId id="2147483648" r:id="rId1"/>
   </p:sldMasterIdLst>
+  <p:notesMasterIdLst>
+    <p:notesMasterId r:id="rId15"/>
+  </p:notesMasterIdLst>
   <p:sldIdLst>
     <p:sldId id="256" r:id="rId2"/>
-    <p:sldId id="260" r:id="rId3"/>
-    <p:sldId id="261" r:id="rId4"/>
-    <p:sldId id="262" r:id="rId5"/>
-    <p:sldId id="263" r:id="rId6"/>
+    <p:sldId id="271" r:id="rId3"/>
+    <p:sldId id="264" r:id="rId4"/>
+    <p:sldId id="265" r:id="rId5"/>
+    <p:sldId id="260" r:id="rId6"/>
+    <p:sldId id="261" r:id="rId7"/>
+    <p:sldId id="269" r:id="rId8"/>
+    <p:sldId id="266" r:id="rId9"/>
+    <p:sldId id="267" r:id="rId10"/>
+    <p:sldId id="270" r:id="rId11"/>
+    <p:sldId id="268" r:id="rId12"/>
+    <p:sldId id="272" r:id="rId13"/>
+    <p:sldId id="263" r:id="rId14"/>
   </p:sldIdLst>
   <p:sldSz cx="9144000" cy="6858000" type="screen4x3"/>
   <p:notesSz cx="6858000" cy="9144000"/>
@@ -111,6 +122,645 @@
 </p:presentation>
 </file>
 
+<file path=ppt/charts/chart1.xml><?xml version="1.0" encoding="utf-8"?>
+<c:chartSpace xmlns:c="http://schemas.openxmlformats.org/drawingml/2006/chart" xmlns:a="http://schemas.openxmlformats.org/drawingml/2006/main" xmlns:r="http://schemas.openxmlformats.org/officeDocument/2006/relationships">
+  <c:date1904 val="0"/>
+  <c:lang val="zh-CN"/>
+  <c:roundedCorners val="0"/>
+  <mc:AlternateContent xmlns:mc="http://schemas.openxmlformats.org/markup-compatibility/2006">
+    <mc:Choice xmlns:c14="http://schemas.microsoft.com/office/drawing/2007/8/2/chart" Requires="c14">
+      <c14:style val="118"/>
+    </mc:Choice>
+    <mc:Fallback>
+      <c:style val="18"/>
+    </mc:Fallback>
+  </mc:AlternateContent>
+  <c:chart>
+    <c:autoTitleDeleted val="1"/>
+    <c:plotArea>
+      <c:layout/>
+      <c:barChart>
+        <c:barDir val="bar"/>
+        <c:grouping val="stacked"/>
+        <c:varyColors val="0"/>
+        <c:ser>
+          <c:idx val="0"/>
+          <c:order val="0"/>
+          <c:tx>
+            <c:v>Start Date</c:v>
+          </c:tx>
+          <c:spPr>
+            <a:noFill/>
+          </c:spPr>
+          <c:invertIfNegative val="0"/>
+          <c:cat>
+            <c:strRef>
+              <c:f>'[Gannt Chart.xlsx]工作表1'!$A$3:$A$8</c:f>
+              <c:strCache>
+                <c:ptCount val="6"/>
+                <c:pt idx="0">
+                  <c:v>Plan Course</c:v>
+                </c:pt>
+                <c:pt idx="1">
+                  <c:v>Order Machines</c:v>
+                </c:pt>
+                <c:pt idx="2">
+                  <c:v>Install Systems on door A</c:v>
+                </c:pt>
+                <c:pt idx="3">
+                  <c:v>Install Systems on door B</c:v>
+                </c:pt>
+                <c:pt idx="4">
+                  <c:v>First Test</c:v>
+                </c:pt>
+                <c:pt idx="5">
+                  <c:v>Final Test</c:v>
+                </c:pt>
+              </c:strCache>
+            </c:strRef>
+          </c:cat>
+          <c:val>
+            <c:numRef>
+              <c:f>'[Gannt Chart.xlsx]工作表1'!$B$3:$B$8</c:f>
+              <c:numCache>
+                <c:formatCode>d\-mmm</c:formatCode>
+                <c:ptCount val="6"/>
+                <c:pt idx="0">
+                  <c:v>41760</c:v>
+                </c:pt>
+                <c:pt idx="1">
+                  <c:v>41760</c:v>
+                </c:pt>
+                <c:pt idx="2">
+                  <c:v>41767</c:v>
+                </c:pt>
+                <c:pt idx="3">
+                  <c:v>41798</c:v>
+                </c:pt>
+                <c:pt idx="4">
+                  <c:v>41773</c:v>
+                </c:pt>
+                <c:pt idx="5">
+                  <c:v>41829</c:v>
+                </c:pt>
+              </c:numCache>
+            </c:numRef>
+          </c:val>
+        </c:ser>
+        <c:ser>
+          <c:idx val="1"/>
+          <c:order val="1"/>
+          <c:tx>
+            <c:v>Duration(days)</c:v>
+          </c:tx>
+          <c:invertIfNegative val="0"/>
+          <c:val>
+            <c:numRef>
+              <c:f>'[Gannt Chart.xlsx]工作表1'!$C$3:$C$8</c:f>
+              <c:numCache>
+                <c:formatCode>General</c:formatCode>
+                <c:ptCount val="6"/>
+                <c:pt idx="0">
+                  <c:v>3</c:v>
+                </c:pt>
+                <c:pt idx="1">
+                  <c:v>7</c:v>
+                </c:pt>
+                <c:pt idx="2">
+                  <c:v>30</c:v>
+                </c:pt>
+                <c:pt idx="3">
+                  <c:v>30</c:v>
+                </c:pt>
+                <c:pt idx="4">
+                  <c:v>7</c:v>
+                </c:pt>
+                <c:pt idx="5">
+                  <c:v>14</c:v>
+                </c:pt>
+              </c:numCache>
+            </c:numRef>
+          </c:val>
+        </c:ser>
+        <c:dLbls>
+          <c:showLegendKey val="0"/>
+          <c:showVal val="0"/>
+          <c:showCatName val="0"/>
+          <c:showSerName val="0"/>
+          <c:showPercent val="0"/>
+          <c:showBubbleSize val="0"/>
+        </c:dLbls>
+        <c:gapWidth val="95"/>
+        <c:overlap val="100"/>
+        <c:axId val="45185024"/>
+        <c:axId val="41619968"/>
+      </c:barChart>
+      <c:catAx>
+        <c:axId val="45185024"/>
+        <c:scaling>
+          <c:orientation val="maxMin"/>
+        </c:scaling>
+        <c:delete val="0"/>
+        <c:axPos val="l"/>
+        <c:majorTickMark val="none"/>
+        <c:minorTickMark val="none"/>
+        <c:tickLblPos val="nextTo"/>
+        <c:crossAx val="41619968"/>
+        <c:crosses val="autoZero"/>
+        <c:auto val="1"/>
+        <c:lblAlgn val="ctr"/>
+        <c:lblOffset val="100"/>
+        <c:noMultiLvlLbl val="0"/>
+      </c:catAx>
+      <c:valAx>
+        <c:axId val="41619968"/>
+        <c:scaling>
+          <c:orientation val="minMax"/>
+          <c:max val="41842"/>
+          <c:min val="41760"/>
+        </c:scaling>
+        <c:delete val="0"/>
+        <c:axPos val="t"/>
+        <c:majorGridlines/>
+        <c:numFmt formatCode="d\-mmm" sourceLinked="1"/>
+        <c:majorTickMark val="none"/>
+        <c:minorTickMark val="none"/>
+        <c:tickLblPos val="nextTo"/>
+        <c:crossAx val="45185024"/>
+        <c:crosses val="autoZero"/>
+        <c:crossBetween val="between"/>
+        <c:majorUnit val="9"/>
+      </c:valAx>
+      <c:dTable>
+        <c:showHorzBorder val="1"/>
+        <c:showVertBorder val="1"/>
+        <c:showOutline val="1"/>
+        <c:showKeys val="1"/>
+      </c:dTable>
+      <c:spPr>
+        <a:noFill/>
+        <a:effectLst/>
+        <a:scene3d>
+          <a:camera prst="orthographicFront"/>
+          <a:lightRig rig="threePt" dir="t"/>
+        </a:scene3d>
+        <a:sp3d/>
+      </c:spPr>
+    </c:plotArea>
+    <c:plotVisOnly val="1"/>
+    <c:dispBlanksAs val="gap"/>
+    <c:showDLblsOverMax val="0"/>
+  </c:chart>
+  <c:txPr>
+    <a:bodyPr/>
+    <a:lstStyle/>
+    <a:p>
+      <a:pPr>
+        <a:defRPr sz="1600"/>
+      </a:pPr>
+      <a:endParaRPr lang="zh-CN"/>
+    </a:p>
+  </c:txPr>
+  <c:externalData r:id="rId1">
+    <c:autoUpdate val="0"/>
+  </c:externalData>
+</c:chartSpace>
+</file>
+
+<file path=ppt/notesMasters/notesMaster1.xml><?xml version="1.0" encoding="utf-8"?>
+<p:notesMaster xmlns:a="http://schemas.openxmlformats.org/drawingml/2006/main" xmlns:r="http://schemas.openxmlformats.org/officeDocument/2006/relationships" xmlns:p="http://schemas.openxmlformats.org/presentationml/2006/main">
+  <p:cSld>
+    <p:bg>
+      <p:bgRef idx="1001">
+        <a:schemeClr val="bg1"/>
+      </p:bgRef>
+    </p:bg>
+    <p:spTree>
+      <p:nvGrpSpPr>
+        <p:cNvPr id="1" name=""/>
+        <p:cNvGrpSpPr/>
+        <p:nvPr/>
+      </p:nvGrpSpPr>
+      <p:grpSpPr>
+        <a:xfrm>
+          <a:off x="0" y="0"/>
+          <a:ext cx="0" cy="0"/>
+          <a:chOff x="0" y="0"/>
+          <a:chExt cx="0" cy="0"/>
+        </a:xfrm>
+      </p:grpSpPr>
+      <p:sp>
+        <p:nvSpPr>
+          <p:cNvPr id="2" name="页眉占位符 1"/>
+          <p:cNvSpPr>
+            <a:spLocks noGrp="1"/>
+          </p:cNvSpPr>
+          <p:nvPr>
+            <p:ph type="hdr" sz="quarter"/>
+          </p:nvPr>
+        </p:nvSpPr>
+        <p:spPr>
+          <a:xfrm>
+            <a:off x="0" y="0"/>
+            <a:ext cx="2971800" cy="457200"/>
+          </a:xfrm>
+          <a:prstGeom prst="rect">
+            <a:avLst/>
+          </a:prstGeom>
+        </p:spPr>
+        <p:txBody>
+          <a:bodyPr vert="horz" lIns="91440" tIns="45720" rIns="91440" bIns="45720" rtlCol="0"/>
+          <a:lstStyle>
+            <a:lvl1pPr algn="l">
+              <a:defRPr sz="1200"/>
+            </a:lvl1pPr>
+          </a:lstStyle>
+          <a:p>
+            <a:endParaRPr lang="zh-CN" altLang="en-US"/>
+          </a:p>
+        </p:txBody>
+      </p:sp>
+      <p:sp>
+        <p:nvSpPr>
+          <p:cNvPr id="3" name="日期占位符 2"/>
+          <p:cNvSpPr>
+            <a:spLocks noGrp="1"/>
+          </p:cNvSpPr>
+          <p:nvPr>
+            <p:ph type="dt" idx="1"/>
+          </p:nvPr>
+        </p:nvSpPr>
+        <p:spPr>
+          <a:xfrm>
+            <a:off x="3884613" y="0"/>
+            <a:ext cx="2971800" cy="457200"/>
+          </a:xfrm>
+          <a:prstGeom prst="rect">
+            <a:avLst/>
+          </a:prstGeom>
+        </p:spPr>
+        <p:txBody>
+          <a:bodyPr vert="horz" lIns="91440" tIns="45720" rIns="91440" bIns="45720" rtlCol="0"/>
+          <a:lstStyle>
+            <a:lvl1pPr algn="r">
+              <a:defRPr sz="1200"/>
+            </a:lvl1pPr>
+          </a:lstStyle>
+          <a:p>
+            <a:fld id="{26EBF0EB-DD63-4C11-A505-CDB43A4C646A}" type="datetimeFigureOut">
+              <a:rPr lang="zh-CN" altLang="en-US" smtClean="0"/>
+              <a:t>14/04/15</a:t>
+            </a:fld>
+            <a:endParaRPr lang="zh-CN" altLang="en-US"/>
+          </a:p>
+        </p:txBody>
+      </p:sp>
+      <p:sp>
+        <p:nvSpPr>
+          <p:cNvPr id="4" name="幻灯片图像占位符 3"/>
+          <p:cNvSpPr>
+            <a:spLocks noGrp="1" noRot="1" noChangeAspect="1"/>
+          </p:cNvSpPr>
+          <p:nvPr>
+            <p:ph type="sldImg" idx="2"/>
+          </p:nvPr>
+        </p:nvSpPr>
+        <p:spPr>
+          <a:xfrm>
+            <a:off x="1143000" y="685800"/>
+            <a:ext cx="4572000" cy="3429000"/>
+          </a:xfrm>
+          <a:prstGeom prst="rect">
+            <a:avLst/>
+          </a:prstGeom>
+          <a:noFill/>
+          <a:ln w="12700">
+            <a:solidFill>
+              <a:prstClr val="black"/>
+            </a:solidFill>
+          </a:ln>
+        </p:spPr>
+        <p:txBody>
+          <a:bodyPr vert="horz" lIns="91440" tIns="45720" rIns="91440" bIns="45720" rtlCol="0" anchor="ctr"/>
+          <a:lstStyle/>
+          <a:p>
+            <a:endParaRPr lang="zh-CN" altLang="en-US"/>
+          </a:p>
+        </p:txBody>
+      </p:sp>
+      <p:sp>
+        <p:nvSpPr>
+          <p:cNvPr id="5" name="备注占位符 4"/>
+          <p:cNvSpPr>
+            <a:spLocks noGrp="1"/>
+          </p:cNvSpPr>
+          <p:nvPr>
+            <p:ph type="body" sz="quarter" idx="3"/>
+          </p:nvPr>
+        </p:nvSpPr>
+        <p:spPr>
+          <a:xfrm>
+            <a:off x="685800" y="4343400"/>
+            <a:ext cx="5486400" cy="4114800"/>
+          </a:xfrm>
+          <a:prstGeom prst="rect">
+            <a:avLst/>
+          </a:prstGeom>
+        </p:spPr>
+        <p:txBody>
+          <a:bodyPr vert="horz" lIns="91440" tIns="45720" rIns="91440" bIns="45720" rtlCol="0"/>
+          <a:lstStyle/>
+          <a:p>
+            <a:pPr lvl="0"/>
+            <a:r>
+              <a:rPr lang="zh-CN" altLang="en-US" smtClean="0"/>
+              <a:t>单击此处编辑母版文本样式</a:t>
+            </a:r>
+          </a:p>
+          <a:p>
+            <a:pPr lvl="1"/>
+            <a:r>
+              <a:rPr lang="zh-CN" altLang="en-US" smtClean="0"/>
+              <a:t>第二级</a:t>
+            </a:r>
+          </a:p>
+          <a:p>
+            <a:pPr lvl="2"/>
+            <a:r>
+              <a:rPr lang="zh-CN" altLang="en-US" smtClean="0"/>
+              <a:t>第三级</a:t>
+            </a:r>
+          </a:p>
+          <a:p>
+            <a:pPr lvl="3"/>
+            <a:r>
+              <a:rPr lang="zh-CN" altLang="en-US" smtClean="0"/>
+              <a:t>第四级</a:t>
+            </a:r>
+          </a:p>
+          <a:p>
+            <a:pPr lvl="4"/>
+            <a:r>
+              <a:rPr lang="zh-CN" altLang="en-US" smtClean="0"/>
+              <a:t>第五级</a:t>
+            </a:r>
+            <a:endParaRPr lang="zh-CN" altLang="en-US"/>
+          </a:p>
+        </p:txBody>
+      </p:sp>
+      <p:sp>
+        <p:nvSpPr>
+          <p:cNvPr id="6" name="页脚占位符 5"/>
+          <p:cNvSpPr>
+            <a:spLocks noGrp="1"/>
+          </p:cNvSpPr>
+          <p:nvPr>
+            <p:ph type="ftr" sz="quarter" idx="4"/>
+          </p:nvPr>
+        </p:nvSpPr>
+        <p:spPr>
+          <a:xfrm>
+            <a:off x="0" y="8685213"/>
+            <a:ext cx="2971800" cy="457200"/>
+          </a:xfrm>
+          <a:prstGeom prst="rect">
+            <a:avLst/>
+          </a:prstGeom>
+        </p:spPr>
+        <p:txBody>
+          <a:bodyPr vert="horz" lIns="91440" tIns="45720" rIns="91440" bIns="45720" rtlCol="0" anchor="b"/>
+          <a:lstStyle>
+            <a:lvl1pPr algn="l">
+              <a:defRPr sz="1200"/>
+            </a:lvl1pPr>
+          </a:lstStyle>
+          <a:p>
+            <a:endParaRPr lang="zh-CN" altLang="en-US"/>
+          </a:p>
+        </p:txBody>
+      </p:sp>
+      <p:sp>
+        <p:nvSpPr>
+          <p:cNvPr id="7" name="灯片编号占位符 6"/>
+          <p:cNvSpPr>
+            <a:spLocks noGrp="1"/>
+          </p:cNvSpPr>
+          <p:nvPr>
+            <p:ph type="sldNum" sz="quarter" idx="5"/>
+          </p:nvPr>
+        </p:nvSpPr>
+        <p:spPr>
+          <a:xfrm>
+            <a:off x="3884613" y="8685213"/>
+            <a:ext cx="2971800" cy="457200"/>
+          </a:xfrm>
+          <a:prstGeom prst="rect">
+            <a:avLst/>
+          </a:prstGeom>
+        </p:spPr>
+        <p:txBody>
+          <a:bodyPr vert="horz" lIns="91440" tIns="45720" rIns="91440" bIns="45720" rtlCol="0" anchor="b"/>
+          <a:lstStyle>
+            <a:lvl1pPr algn="r">
+              <a:defRPr sz="1200"/>
+            </a:lvl1pPr>
+          </a:lstStyle>
+          <a:p>
+            <a:fld id="{7E21704C-9B61-4AA7-89D9-4FA217611D8B}" type="slidenum">
+              <a:rPr lang="zh-CN" altLang="en-US" smtClean="0"/>
+              <a:t>‹#›</a:t>
+            </a:fld>
+            <a:endParaRPr lang="zh-CN" altLang="en-US"/>
+          </a:p>
+        </p:txBody>
+      </p:sp>
+    </p:spTree>
+    <p:extLst>
+      <p:ext uri="{BB962C8B-B14F-4D97-AF65-F5344CB8AC3E}">
+        <p14:creationId xmlns:p14="http://schemas.microsoft.com/office/powerpoint/2010/main" val="2393591167"/>
+      </p:ext>
+    </p:extLst>
+  </p:cSld>
+  <p:clrMap bg1="lt1" tx1="dk1" bg2="lt2" tx2="dk2" accent1="accent1" accent2="accent2" accent3="accent3" accent4="accent4" accent5="accent5" accent6="accent6" hlink="hlink" folHlink="folHlink"/>
+  <p:notesStyle>
+    <a:lvl1pPr marL="0" algn="l" defTabSz="914400" rtl="0" eaLnBrk="1" latinLnBrk="0" hangingPunct="1">
+      <a:defRPr sz="1200" kern="1200">
+        <a:solidFill>
+          <a:schemeClr val="tx1"/>
+        </a:solidFill>
+        <a:latin typeface="+mn-lt"/>
+        <a:ea typeface="+mn-ea"/>
+        <a:cs typeface="+mn-cs"/>
+      </a:defRPr>
+    </a:lvl1pPr>
+    <a:lvl2pPr marL="457200" algn="l" defTabSz="914400" rtl="0" eaLnBrk="1" latinLnBrk="0" hangingPunct="1">
+      <a:defRPr sz="1200" kern="1200">
+        <a:solidFill>
+          <a:schemeClr val="tx1"/>
+        </a:solidFill>
+        <a:latin typeface="+mn-lt"/>
+        <a:ea typeface="+mn-ea"/>
+        <a:cs typeface="+mn-cs"/>
+      </a:defRPr>
+    </a:lvl2pPr>
+    <a:lvl3pPr marL="914400" algn="l" defTabSz="914400" rtl="0" eaLnBrk="1" latinLnBrk="0" hangingPunct="1">
+      <a:defRPr sz="1200" kern="1200">
+        <a:solidFill>
+          <a:schemeClr val="tx1"/>
+        </a:solidFill>
+        <a:latin typeface="+mn-lt"/>
+        <a:ea typeface="+mn-ea"/>
+        <a:cs typeface="+mn-cs"/>
+      </a:defRPr>
+    </a:lvl3pPr>
+    <a:lvl4pPr marL="1371600" algn="l" defTabSz="914400" rtl="0" eaLnBrk="1" latinLnBrk="0" hangingPunct="1">
+      <a:defRPr sz="1200" kern="1200">
+        <a:solidFill>
+          <a:schemeClr val="tx1"/>
+        </a:solidFill>
+        <a:latin typeface="+mn-lt"/>
+        <a:ea typeface="+mn-ea"/>
+        <a:cs typeface="+mn-cs"/>
+      </a:defRPr>
+    </a:lvl4pPr>
+    <a:lvl5pPr marL="1828800" algn="l" defTabSz="914400" rtl="0" eaLnBrk="1" latinLnBrk="0" hangingPunct="1">
+      <a:defRPr sz="1200" kern="1200">
+        <a:solidFill>
+          <a:schemeClr val="tx1"/>
+        </a:solidFill>
+        <a:latin typeface="+mn-lt"/>
+        <a:ea typeface="+mn-ea"/>
+        <a:cs typeface="+mn-cs"/>
+      </a:defRPr>
+    </a:lvl5pPr>
+    <a:lvl6pPr marL="2286000" algn="l" defTabSz="914400" rtl="0" eaLnBrk="1" latinLnBrk="0" hangingPunct="1">
+      <a:defRPr sz="1200" kern="1200">
+        <a:solidFill>
+          <a:schemeClr val="tx1"/>
+        </a:solidFill>
+        <a:latin typeface="+mn-lt"/>
+        <a:ea typeface="+mn-ea"/>
+        <a:cs typeface="+mn-cs"/>
+      </a:defRPr>
+    </a:lvl6pPr>
+    <a:lvl7pPr marL="2743200" algn="l" defTabSz="914400" rtl="0" eaLnBrk="1" latinLnBrk="0" hangingPunct="1">
+      <a:defRPr sz="1200" kern="1200">
+        <a:solidFill>
+          <a:schemeClr val="tx1"/>
+        </a:solidFill>
+        <a:latin typeface="+mn-lt"/>
+        <a:ea typeface="+mn-ea"/>
+        <a:cs typeface="+mn-cs"/>
+      </a:defRPr>
+    </a:lvl7pPr>
+    <a:lvl8pPr marL="3200400" algn="l" defTabSz="914400" rtl="0" eaLnBrk="1" latinLnBrk="0" hangingPunct="1">
+      <a:defRPr sz="1200" kern="1200">
+        <a:solidFill>
+          <a:schemeClr val="tx1"/>
+        </a:solidFill>
+        <a:latin typeface="+mn-lt"/>
+        <a:ea typeface="+mn-ea"/>
+        <a:cs typeface="+mn-cs"/>
+      </a:defRPr>
+    </a:lvl8pPr>
+    <a:lvl9pPr marL="3657600" algn="l" defTabSz="914400" rtl="0" eaLnBrk="1" latinLnBrk="0" hangingPunct="1">
+      <a:defRPr sz="1200" kern="1200">
+        <a:solidFill>
+          <a:schemeClr val="tx1"/>
+        </a:solidFill>
+        <a:latin typeface="+mn-lt"/>
+        <a:ea typeface="+mn-ea"/>
+        <a:cs typeface="+mn-cs"/>
+      </a:defRPr>
+    </a:lvl9pPr>
+  </p:notesStyle>
+</p:notesMaster>
+</file>
+
+<file path=ppt/notesSlides/notesSlide1.xml><?xml version="1.0" encoding="utf-8"?>
+<p:notes xmlns:a="http://schemas.openxmlformats.org/drawingml/2006/main" xmlns:r="http://schemas.openxmlformats.org/officeDocument/2006/relationships" xmlns:p="http://schemas.openxmlformats.org/presentationml/2006/main">
+  <p:cSld>
+    <p:spTree>
+      <p:nvGrpSpPr>
+        <p:cNvPr id="1" name=""/>
+        <p:cNvGrpSpPr/>
+        <p:nvPr/>
+      </p:nvGrpSpPr>
+      <p:grpSpPr>
+        <a:xfrm>
+          <a:off x="0" y="0"/>
+          <a:ext cx="0" cy="0"/>
+          <a:chOff x="0" y="0"/>
+          <a:chExt cx="0" cy="0"/>
+        </a:xfrm>
+      </p:grpSpPr>
+      <p:sp>
+        <p:nvSpPr>
+          <p:cNvPr id="2" name="幻灯片图像占位符 1"/>
+          <p:cNvSpPr>
+            <a:spLocks noGrp="1" noRot="1" noChangeAspect="1"/>
+          </p:cNvSpPr>
+          <p:nvPr>
+            <p:ph type="sldImg"/>
+          </p:nvPr>
+        </p:nvSpPr>
+        <p:spPr/>
+      </p:sp>
+      <p:sp>
+        <p:nvSpPr>
+          <p:cNvPr id="3" name="备注占位符 2"/>
+          <p:cNvSpPr>
+            <a:spLocks noGrp="1"/>
+          </p:cNvSpPr>
+          <p:nvPr>
+            <p:ph type="body" idx="1"/>
+          </p:nvPr>
+        </p:nvSpPr>
+        <p:spPr/>
+        <p:txBody>
+          <a:bodyPr/>
+          <a:lstStyle/>
+          <a:p>
+            <a:endParaRPr lang="zh-CN" altLang="en-US" dirty="0"/>
+          </a:p>
+        </p:txBody>
+      </p:sp>
+      <p:sp>
+        <p:nvSpPr>
+          <p:cNvPr id="4" name="灯片编号占位符 3"/>
+          <p:cNvSpPr>
+            <a:spLocks noGrp="1"/>
+          </p:cNvSpPr>
+          <p:nvPr>
+            <p:ph type="sldNum" sz="quarter" idx="10"/>
+          </p:nvPr>
+        </p:nvSpPr>
+        <p:spPr/>
+        <p:txBody>
+          <a:bodyPr/>
+          <a:lstStyle/>
+          <a:p>
+            <a:fld id="{7E21704C-9B61-4AA7-89D9-4FA217611D8B}" type="slidenum">
+              <a:rPr lang="zh-CN" altLang="en-US" smtClean="0"/>
+              <a:t>11</a:t>
+            </a:fld>
+            <a:endParaRPr lang="zh-CN" altLang="en-US"/>
+          </a:p>
+        </p:txBody>
+      </p:sp>
+    </p:spTree>
+    <p:extLst>
+      <p:ext uri="{BB962C8B-B14F-4D97-AF65-F5344CB8AC3E}">
+        <p14:creationId xmlns:p14="http://schemas.microsoft.com/office/powerpoint/2010/main" val="3002328722"/>
+      </p:ext>
+    </p:extLst>
+  </p:cSld>
+  <p:clrMapOvr>
+    <a:masterClrMapping/>
+  </p:clrMapOvr>
+</p:notes>
+</file>
+
 <file path=ppt/slideLayouts/slideLayout1.xml><?xml version="1.0" encoding="utf-8"?>
 <p:sldLayout xmlns:a="http://schemas.openxmlformats.org/drawingml/2006/main" xmlns:r="http://schemas.openxmlformats.org/officeDocument/2006/relationships" xmlns:p="http://schemas.openxmlformats.org/presentationml/2006/main" type="title" preserve="1">
   <p:cSld name="标题幻灯片">
@@ -292,7 +942,7 @@
           <a:p>
             <a:fld id="{4FB00D3F-12B7-4FC2-999A-60B67B166E24}" type="datetimeFigureOut">
               <a:rPr lang="zh-CN" altLang="en-US" smtClean="0"/>
-              <a:t>2014/4/7</a:t>
+              <a:t>14/04/15</a:t>
             </a:fld>
             <a:endParaRPr lang="zh-CN" altLang="en-US"/>
           </a:p>
@@ -462,7 +1112,7 @@
           <a:p>
             <a:fld id="{4FB00D3F-12B7-4FC2-999A-60B67B166E24}" type="datetimeFigureOut">
               <a:rPr lang="zh-CN" altLang="en-US" smtClean="0"/>
-              <a:t>2014/4/7</a:t>
+              <a:t>14/04/15</a:t>
             </a:fld>
             <a:endParaRPr lang="zh-CN" altLang="en-US"/>
           </a:p>
@@ -642,7 +1292,7 @@
           <a:p>
             <a:fld id="{4FB00D3F-12B7-4FC2-999A-60B67B166E24}" type="datetimeFigureOut">
               <a:rPr lang="zh-CN" altLang="en-US" smtClean="0"/>
-              <a:t>2014/4/7</a:t>
+              <a:t>14/04/15</a:t>
             </a:fld>
             <a:endParaRPr lang="zh-CN" altLang="en-US"/>
           </a:p>
@@ -812,7 +1462,7 @@
           <a:p>
             <a:fld id="{4FB00D3F-12B7-4FC2-999A-60B67B166E24}" type="datetimeFigureOut">
               <a:rPr lang="zh-CN" altLang="en-US" smtClean="0"/>
-              <a:t>2014/4/7</a:t>
+              <a:t>14/04/15</a:t>
             </a:fld>
             <a:endParaRPr lang="zh-CN" altLang="en-US"/>
           </a:p>
@@ -1058,7 +1708,7 @@
           <a:p>
             <a:fld id="{4FB00D3F-12B7-4FC2-999A-60B67B166E24}" type="datetimeFigureOut">
               <a:rPr lang="zh-CN" altLang="en-US" smtClean="0"/>
-              <a:t>2014/4/7</a:t>
+              <a:t>14/04/15</a:t>
             </a:fld>
             <a:endParaRPr lang="zh-CN" altLang="en-US"/>
           </a:p>
@@ -1346,7 +1996,7 @@
           <a:p>
             <a:fld id="{4FB00D3F-12B7-4FC2-999A-60B67B166E24}" type="datetimeFigureOut">
               <a:rPr lang="zh-CN" altLang="en-US" smtClean="0"/>
-              <a:t>2014/4/7</a:t>
+              <a:t>14/04/15</a:t>
             </a:fld>
             <a:endParaRPr lang="zh-CN" altLang="en-US"/>
           </a:p>
@@ -1768,7 +2418,7 @@
           <a:p>
             <a:fld id="{4FB00D3F-12B7-4FC2-999A-60B67B166E24}" type="datetimeFigureOut">
               <a:rPr lang="zh-CN" altLang="en-US" smtClean="0"/>
-              <a:t>2014/4/7</a:t>
+              <a:t>14/04/15</a:t>
             </a:fld>
             <a:endParaRPr lang="zh-CN" altLang="en-US"/>
           </a:p>
@@ -1886,7 +2536,7 @@
           <a:p>
             <a:fld id="{4FB00D3F-12B7-4FC2-999A-60B67B166E24}" type="datetimeFigureOut">
               <a:rPr lang="zh-CN" altLang="en-US" smtClean="0"/>
-              <a:t>2014/4/7</a:t>
+              <a:t>14/04/15</a:t>
             </a:fld>
             <a:endParaRPr lang="zh-CN" altLang="en-US"/>
           </a:p>
@@ -1981,7 +2631,7 @@
           <a:p>
             <a:fld id="{4FB00D3F-12B7-4FC2-999A-60B67B166E24}" type="datetimeFigureOut">
               <a:rPr lang="zh-CN" altLang="en-US" smtClean="0"/>
-              <a:t>2014/4/7</a:t>
+              <a:t>14/04/15</a:t>
             </a:fld>
             <a:endParaRPr lang="zh-CN" altLang="en-US"/>
           </a:p>
@@ -2258,7 +2908,7 @@
           <a:p>
             <a:fld id="{4FB00D3F-12B7-4FC2-999A-60B67B166E24}" type="datetimeFigureOut">
               <a:rPr lang="zh-CN" altLang="en-US" smtClean="0"/>
-              <a:t>2014/4/7</a:t>
+              <a:t>14/04/15</a:t>
             </a:fld>
             <a:endParaRPr lang="zh-CN" altLang="en-US"/>
           </a:p>
@@ -2511,7 +3161,7 @@
           <a:p>
             <a:fld id="{4FB00D3F-12B7-4FC2-999A-60B67B166E24}" type="datetimeFigureOut">
               <a:rPr lang="zh-CN" altLang="en-US" smtClean="0"/>
-              <a:t>2014/4/7</a:t>
+              <a:t>14/04/15</a:t>
             </a:fld>
             <a:endParaRPr lang="zh-CN" altLang="en-US"/>
           </a:p>
@@ -2724,7 +3374,7 @@
           <a:p>
             <a:fld id="{4FB00D3F-12B7-4FC2-999A-60B67B166E24}" type="datetimeFigureOut">
               <a:rPr lang="zh-CN" altLang="en-US" smtClean="0"/>
-              <a:t>2014/4/7</a:t>
+              <a:t>14/04/15</a:t>
             </a:fld>
             <a:endParaRPr lang="zh-CN" altLang="en-US"/>
           </a:p>
@@ -3152,8 +3802,19 @@
               <a:t> </a:t>
             </a:r>
             <a:r>
+              <a:rPr lang="en-US" altLang="zh-CN" dirty="0" err="1"/>
+              <a:t>C</a:t>
+            </a:r>
+            <a:r>
               <a:rPr lang="en-US" altLang="zh-CN" dirty="0" err="1" smtClean="0"/>
-              <a:t>cai</a:t>
+              <a:t>ai</a:t>
+            </a:r>
+            <a:endParaRPr lang="en-US" altLang="zh-CN" dirty="0" smtClean="0"/>
+          </a:p>
+          <a:p>
+            <a:r>
+              <a:rPr lang="en-US" altLang="zh-CN" dirty="0" smtClean="0"/>
+              <a:t>Zhihang Jin</a:t>
             </a:r>
             <a:endParaRPr lang="zh-CN" altLang="en-US" dirty="0"/>
           </a:p>
@@ -3163,6 +3824,506 @@
     <p:extLst>
       <p:ext uri="{BB962C8B-B14F-4D97-AF65-F5344CB8AC3E}">
         <p14:creationId xmlns:p14="http://schemas.microsoft.com/office/powerpoint/2010/main" val="341934264"/>
+      </p:ext>
+    </p:extLst>
+  </p:cSld>
+  <p:clrMapOvr>
+    <a:masterClrMapping/>
+  </p:clrMapOvr>
+  <p:timing>
+    <p:tnLst>
+      <p:par>
+        <p:cTn id="1" dur="indefinite" restart="never" nodeType="tmRoot"/>
+      </p:par>
+    </p:tnLst>
+  </p:timing>
+</p:sld>
+</file>
+
+<file path=ppt/slides/slide10.xml><?xml version="1.0" encoding="utf-8"?>
+<p:sld xmlns:a="http://schemas.openxmlformats.org/drawingml/2006/main" xmlns:r="http://schemas.openxmlformats.org/officeDocument/2006/relationships" xmlns:p="http://schemas.openxmlformats.org/presentationml/2006/main">
+  <p:cSld>
+    <p:spTree>
+      <p:nvGrpSpPr>
+        <p:cNvPr id="1" name=""/>
+        <p:cNvGrpSpPr/>
+        <p:nvPr/>
+      </p:nvGrpSpPr>
+      <p:grpSpPr>
+        <a:xfrm>
+          <a:off x="0" y="0"/>
+          <a:ext cx="0" cy="0"/>
+          <a:chOff x="0" y="0"/>
+          <a:chExt cx="0" cy="0"/>
+        </a:xfrm>
+      </p:grpSpPr>
+      <p:sp>
+        <p:nvSpPr>
+          <p:cNvPr id="2" name="标题 1"/>
+          <p:cNvSpPr>
+            <a:spLocks noGrp="1"/>
+          </p:cNvSpPr>
+          <p:nvPr>
+            <p:ph type="title"/>
+          </p:nvPr>
+        </p:nvSpPr>
+        <p:spPr/>
+        <p:txBody>
+          <a:bodyPr/>
+          <a:lstStyle/>
+          <a:p>
+            <a:endParaRPr lang="zh-CN" altLang="en-US" dirty="0"/>
+          </a:p>
+        </p:txBody>
+      </p:sp>
+      <p:pic>
+        <p:nvPicPr>
+          <p:cNvPr id="2050" name="Picture 2" descr="http://ecx.images-amazon.com/images/I/51m%2BD1SvyxL.jpg"/>
+          <p:cNvPicPr>
+            <a:picLocks noChangeAspect="1" noChangeArrowheads="1"/>
+          </p:cNvPicPr>
+          <p:nvPr/>
+        </p:nvPicPr>
+        <p:blipFill>
+          <a:blip r:embed="rId2">
+            <a:extLst>
+              <a:ext uri="{28A0092B-C50C-407E-A947-70E740481C1C}">
+                <a14:useLocalDpi xmlns:a14="http://schemas.microsoft.com/office/drawing/2010/main" val="0"/>
+              </a:ext>
+            </a:extLst>
+          </a:blip>
+          <a:srcRect/>
+          <a:stretch>
+            <a:fillRect/>
+          </a:stretch>
+        </p:blipFill>
+        <p:spPr bwMode="auto">
+          <a:xfrm>
+            <a:off x="323528" y="1842289"/>
+            <a:ext cx="4320480" cy="3257643"/>
+          </a:xfrm>
+          <a:prstGeom prst="rect">
+            <a:avLst/>
+          </a:prstGeom>
+          <a:noFill/>
+          <a:extLst>
+            <a:ext uri="{909E8E84-426E-40DD-AFC4-6F175D3DCCD1}">
+              <a14:hiddenFill xmlns:a14="http://schemas.microsoft.com/office/drawing/2010/main">
+                <a:solidFill>
+                  <a:srgbClr val="FFFFFF"/>
+                </a:solidFill>
+              </a14:hiddenFill>
+            </a:ext>
+          </a:extLst>
+        </p:spPr>
+      </p:pic>
+      <p:pic>
+        <p:nvPicPr>
+          <p:cNvPr id="2052" name="Picture 4" descr="http://ecx.images-amazon.com/images/I/71Ql8DUplGL._SL1500_.jpg"/>
+          <p:cNvPicPr>
+            <a:picLocks noChangeAspect="1" noChangeArrowheads="1"/>
+          </p:cNvPicPr>
+          <p:nvPr/>
+        </p:nvPicPr>
+        <p:blipFill rotWithShape="1">
+          <a:blip r:embed="rId3" cstate="print">
+            <a:extLst>
+              <a:ext uri="{28A0092B-C50C-407E-A947-70E740481C1C}">
+                <a14:useLocalDpi xmlns:a14="http://schemas.microsoft.com/office/drawing/2010/main" val="0"/>
+              </a:ext>
+            </a:extLst>
+          </a:blip>
+          <a:srcRect l="11306" t="7871" r="12564" b="10575"/>
+          <a:stretch/>
+        </p:blipFill>
+        <p:spPr bwMode="auto">
+          <a:xfrm>
+            <a:off x="4818593" y="1484784"/>
+            <a:ext cx="4259342" cy="3972654"/>
+          </a:xfrm>
+          <a:prstGeom prst="rect">
+            <a:avLst/>
+          </a:prstGeom>
+          <a:noFill/>
+          <a:extLst>
+            <a:ext uri="{909E8E84-426E-40DD-AFC4-6F175D3DCCD1}">
+              <a14:hiddenFill xmlns:a14="http://schemas.microsoft.com/office/drawing/2010/main">
+                <a:solidFill>
+                  <a:srgbClr val="FFFFFF"/>
+                </a:solidFill>
+              </a14:hiddenFill>
+            </a:ext>
+          </a:extLst>
+        </p:spPr>
+      </p:pic>
+      <p:sp>
+        <p:nvSpPr>
+          <p:cNvPr id="4" name="TextBox 3"/>
+          <p:cNvSpPr txBox="1"/>
+          <p:nvPr/>
+        </p:nvSpPr>
+        <p:spPr>
+          <a:xfrm>
+            <a:off x="1403648" y="5598614"/>
+            <a:ext cx="1516890" cy="861774"/>
+          </a:xfrm>
+          <a:prstGeom prst="rect">
+            <a:avLst/>
+          </a:prstGeom>
+          <a:noFill/>
+        </p:spPr>
+        <p:txBody>
+          <a:bodyPr wrap="none" rtlCol="0">
+            <a:spAutoFit/>
+          </a:bodyPr>
+          <a:lstStyle/>
+          <a:p>
+            <a:r>
+              <a:rPr lang="en-US" altLang="zh-CN" sz="2500" dirty="0" smtClean="0"/>
+              <a:t>Generator</a:t>
+            </a:r>
+          </a:p>
+          <a:p>
+            <a:r>
+              <a:rPr lang="en-US" altLang="zh-CN" sz="2500" dirty="0" smtClean="0"/>
+              <a:t>$200</a:t>
+            </a:r>
+            <a:endParaRPr lang="zh-CN" altLang="en-US" sz="2500" dirty="0"/>
+          </a:p>
+        </p:txBody>
+      </p:sp>
+      <p:sp>
+        <p:nvSpPr>
+          <p:cNvPr id="5" name="TextBox 4"/>
+          <p:cNvSpPr txBox="1"/>
+          <p:nvPr/>
+        </p:nvSpPr>
+        <p:spPr>
+          <a:xfrm>
+            <a:off x="6515966" y="5598614"/>
+            <a:ext cx="1137043" cy="861774"/>
+          </a:xfrm>
+          <a:prstGeom prst="rect">
+            <a:avLst/>
+          </a:prstGeom>
+          <a:noFill/>
+        </p:spPr>
+        <p:txBody>
+          <a:bodyPr wrap="none" rtlCol="0">
+            <a:spAutoFit/>
+          </a:bodyPr>
+          <a:lstStyle/>
+          <a:p>
+            <a:r>
+              <a:rPr lang="en-US" altLang="zh-CN" sz="2500" dirty="0" smtClean="0"/>
+              <a:t>Battery</a:t>
+            </a:r>
+          </a:p>
+          <a:p>
+            <a:r>
+              <a:rPr lang="en-US" altLang="zh-CN" sz="2500" dirty="0" smtClean="0"/>
+              <a:t>$120</a:t>
+            </a:r>
+            <a:endParaRPr lang="zh-CN" altLang="en-US" sz="2500" dirty="0"/>
+          </a:p>
+        </p:txBody>
+      </p:sp>
+    </p:spTree>
+    <p:extLst>
+      <p:ext uri="{BB962C8B-B14F-4D97-AF65-F5344CB8AC3E}">
+        <p14:creationId xmlns:p14="http://schemas.microsoft.com/office/powerpoint/2010/main" val="2462552924"/>
+      </p:ext>
+    </p:extLst>
+  </p:cSld>
+  <p:clrMapOvr>
+    <a:masterClrMapping/>
+  </p:clrMapOvr>
+</p:sld>
+</file>
+
+<file path=ppt/slides/slide11.xml><?xml version="1.0" encoding="utf-8"?>
+<p:sld xmlns:a="http://schemas.openxmlformats.org/drawingml/2006/main" xmlns:r="http://schemas.openxmlformats.org/officeDocument/2006/relationships" xmlns:p="http://schemas.openxmlformats.org/presentationml/2006/main">
+  <p:cSld>
+    <p:spTree>
+      <p:nvGrpSpPr>
+        <p:cNvPr id="1" name=""/>
+        <p:cNvGrpSpPr/>
+        <p:nvPr/>
+      </p:nvGrpSpPr>
+      <p:grpSpPr>
+        <a:xfrm>
+          <a:off x="0" y="0"/>
+          <a:ext cx="0" cy="0"/>
+          <a:chOff x="0" y="0"/>
+          <a:chExt cx="0" cy="0"/>
+        </a:xfrm>
+      </p:grpSpPr>
+      <p:sp>
+        <p:nvSpPr>
+          <p:cNvPr id="2" name="标题 1"/>
+          <p:cNvSpPr>
+            <a:spLocks noGrp="1"/>
+          </p:cNvSpPr>
+          <p:nvPr>
+            <p:ph type="title"/>
+          </p:nvPr>
+        </p:nvSpPr>
+        <p:spPr/>
+        <p:txBody>
+          <a:bodyPr/>
+          <a:lstStyle/>
+          <a:p>
+            <a:r>
+              <a:rPr lang="en-US" altLang="zh-CN" dirty="0" smtClean="0"/>
+              <a:t>Time Table</a:t>
+            </a:r>
+            <a:endParaRPr lang="zh-CN" altLang="en-US" dirty="0"/>
+          </a:p>
+        </p:txBody>
+      </p:sp>
+      <p:graphicFrame>
+        <p:nvGraphicFramePr>
+          <p:cNvPr id="4" name="图表 3"/>
+          <p:cNvGraphicFramePr>
+            <a:graphicFrameLocks/>
+          </p:cNvGraphicFramePr>
+          <p:nvPr>
+            <p:extLst>
+              <p:ext uri="{D42A27DB-BD31-4B8C-83A1-F6EECF244321}">
+                <p14:modId xmlns:p14="http://schemas.microsoft.com/office/powerpoint/2010/main" val="1509870373"/>
+              </p:ext>
+            </p:extLst>
+          </p:nvPr>
+        </p:nvGraphicFramePr>
+        <p:xfrm>
+          <a:off x="179513" y="1268760"/>
+          <a:ext cx="8856984" cy="5400599"/>
+        </p:xfrm>
+        <a:graphic>
+          <a:graphicData uri="http://schemas.openxmlformats.org/drawingml/2006/chart">
+            <c:chart xmlns:c="http://schemas.openxmlformats.org/drawingml/2006/chart" xmlns:r="http://schemas.openxmlformats.org/officeDocument/2006/relationships" r:id="rId3"/>
+          </a:graphicData>
+        </a:graphic>
+      </p:graphicFrame>
+    </p:spTree>
+    <p:extLst>
+      <p:ext uri="{BB962C8B-B14F-4D97-AF65-F5344CB8AC3E}">
+        <p14:creationId xmlns:p14="http://schemas.microsoft.com/office/powerpoint/2010/main" val="1260918602"/>
+      </p:ext>
+    </p:extLst>
+  </p:cSld>
+  <p:clrMapOvr>
+    <a:masterClrMapping/>
+  </p:clrMapOvr>
+</p:sld>
+</file>
+
+<file path=ppt/slides/slide12.xml><?xml version="1.0" encoding="utf-8"?>
+<p:sld xmlns:a="http://schemas.openxmlformats.org/drawingml/2006/main" xmlns:r="http://schemas.openxmlformats.org/officeDocument/2006/relationships" xmlns:p="http://schemas.openxmlformats.org/presentationml/2006/main">
+  <p:cSld>
+    <p:spTree>
+      <p:nvGrpSpPr>
+        <p:cNvPr id="1" name=""/>
+        <p:cNvGrpSpPr/>
+        <p:nvPr/>
+      </p:nvGrpSpPr>
+      <p:grpSpPr>
+        <a:xfrm>
+          <a:off x="0" y="0"/>
+          <a:ext cx="0" cy="0"/>
+          <a:chOff x="0" y="0"/>
+          <a:chExt cx="0" cy="0"/>
+        </a:xfrm>
+      </p:grpSpPr>
+      <p:sp>
+        <p:nvSpPr>
+          <p:cNvPr id="2" name="标题 1"/>
+          <p:cNvSpPr>
+            <a:spLocks noGrp="1"/>
+          </p:cNvSpPr>
+          <p:nvPr>
+            <p:ph type="title"/>
+          </p:nvPr>
+        </p:nvSpPr>
+        <p:spPr/>
+        <p:txBody>
+          <a:bodyPr/>
+          <a:lstStyle/>
+          <a:p>
+            <a:r>
+              <a:rPr lang="en-US" altLang="zh-CN" dirty="0" smtClean="0"/>
+              <a:t>Conclusion</a:t>
+            </a:r>
+            <a:endParaRPr lang="zh-CN" altLang="en-US" dirty="0"/>
+          </a:p>
+        </p:txBody>
+      </p:sp>
+      <p:sp>
+        <p:nvSpPr>
+          <p:cNvPr id="3" name="内容占位符 2"/>
+          <p:cNvSpPr>
+            <a:spLocks noGrp="1"/>
+          </p:cNvSpPr>
+          <p:nvPr>
+            <p:ph idx="1"/>
+          </p:nvPr>
+        </p:nvSpPr>
+        <p:spPr/>
+        <p:txBody>
+          <a:bodyPr>
+            <a:normAutofit lnSpcReduction="10000"/>
+          </a:bodyPr>
+          <a:lstStyle/>
+          <a:p>
+            <a:r>
+              <a:rPr lang="en-US" altLang="zh-CN" dirty="0" smtClean="0"/>
+              <a:t>Technological </a:t>
+            </a:r>
+            <a:r>
+              <a:rPr lang="en-US" altLang="zh-CN" dirty="0" smtClean="0"/>
+              <a:t>Difficulties</a:t>
+            </a:r>
+            <a:endParaRPr lang="en-US" altLang="zh-CN" dirty="0" smtClean="0"/>
+          </a:p>
+          <a:p>
+            <a:r>
+              <a:rPr lang="en-US" altLang="zh-CN" dirty="0" smtClean="0"/>
+              <a:t>Advantages of our design</a:t>
+            </a:r>
+          </a:p>
+          <a:p>
+            <a:r>
+              <a:rPr lang="en-US" altLang="zh-CN" dirty="0" smtClean="0"/>
+              <a:t>Outlook </a:t>
+            </a:r>
+            <a:r>
+              <a:rPr lang="en-US" altLang="zh-CN" dirty="0"/>
+              <a:t>in future</a:t>
+            </a:r>
+          </a:p>
+          <a:p>
+            <a:endParaRPr lang="en-US" altLang="zh-CN" dirty="0" smtClean="0"/>
+          </a:p>
+          <a:p>
+            <a:endParaRPr lang="en-US" altLang="zh-CN" dirty="0" smtClean="0"/>
+          </a:p>
+          <a:p>
+            <a:endParaRPr lang="en-US" altLang="zh-CN" dirty="0"/>
+          </a:p>
+          <a:p>
+            <a:endParaRPr lang="en-US" altLang="zh-CN" dirty="0" smtClean="0"/>
+          </a:p>
+          <a:p>
+            <a:pPr marL="0" indent="0">
+              <a:buNone/>
+            </a:pPr>
+            <a:r>
+              <a:rPr lang="en-US" altLang="zh-CN" dirty="0" smtClean="0"/>
+              <a:t> </a:t>
+            </a:r>
+          </a:p>
+          <a:p>
+            <a:endParaRPr lang="en-US" altLang="zh-CN" dirty="0"/>
+          </a:p>
+          <a:p>
+            <a:endParaRPr lang="en-US" altLang="zh-CN" dirty="0" smtClean="0"/>
+          </a:p>
+          <a:p>
+            <a:endParaRPr lang="zh-CN" altLang="en-US" dirty="0"/>
+          </a:p>
+        </p:txBody>
+      </p:sp>
+    </p:spTree>
+    <p:extLst>
+      <p:ext uri="{BB962C8B-B14F-4D97-AF65-F5344CB8AC3E}">
+        <p14:creationId xmlns:p14="http://schemas.microsoft.com/office/powerpoint/2010/main" val="895480118"/>
+      </p:ext>
+    </p:extLst>
+  </p:cSld>
+  <p:clrMapOvr>
+    <a:masterClrMapping/>
+  </p:clrMapOvr>
+</p:sld>
+</file>
+
+<file path=ppt/slides/slide13.xml><?xml version="1.0" encoding="utf-8"?>
+<p:sld xmlns:a="http://schemas.openxmlformats.org/drawingml/2006/main" xmlns:r="http://schemas.openxmlformats.org/officeDocument/2006/relationships" xmlns:p="http://schemas.openxmlformats.org/presentationml/2006/main">
+  <p:cSld>
+    <p:spTree>
+      <p:nvGrpSpPr>
+        <p:cNvPr id="1" name=""/>
+        <p:cNvGrpSpPr/>
+        <p:nvPr/>
+      </p:nvGrpSpPr>
+      <p:grpSpPr>
+        <a:xfrm>
+          <a:off x="0" y="0"/>
+          <a:ext cx="0" cy="0"/>
+          <a:chOff x="0" y="0"/>
+          <a:chExt cx="0" cy="0"/>
+        </a:xfrm>
+      </p:grpSpPr>
+      <p:sp>
+        <p:nvSpPr>
+          <p:cNvPr id="2" name="标题 1"/>
+          <p:cNvSpPr>
+            <a:spLocks noGrp="1"/>
+          </p:cNvSpPr>
+          <p:nvPr>
+            <p:ph type="title"/>
+          </p:nvPr>
+        </p:nvSpPr>
+        <p:spPr/>
+        <p:txBody>
+          <a:bodyPr>
+            <a:normAutofit/>
+          </a:bodyPr>
+          <a:lstStyle/>
+          <a:p>
+            <a:r>
+              <a:rPr lang="en-US" altLang="zh-CN" dirty="0" smtClean="0"/>
+              <a:t>Thank You</a:t>
+            </a:r>
+            <a:endParaRPr lang="zh-CN" altLang="en-US" dirty="0"/>
+          </a:p>
+        </p:txBody>
+      </p:sp>
+      <p:sp>
+        <p:nvSpPr>
+          <p:cNvPr id="3" name="内容占位符 2"/>
+          <p:cNvSpPr>
+            <a:spLocks noGrp="1"/>
+          </p:cNvSpPr>
+          <p:nvPr>
+            <p:ph idx="1"/>
+          </p:nvPr>
+        </p:nvSpPr>
+        <p:spPr/>
+        <p:txBody>
+          <a:bodyPr/>
+          <a:lstStyle/>
+          <a:p>
+            <a:endParaRPr lang="en-US" altLang="zh-CN" dirty="0" smtClean="0"/>
+          </a:p>
+          <a:p>
+            <a:endParaRPr lang="en-US" altLang="zh-CN" dirty="0"/>
+          </a:p>
+          <a:p>
+            <a:pPr marL="0" indent="0" algn="ctr">
+              <a:buNone/>
+            </a:pPr>
+            <a:r>
+              <a:rPr lang="en-US" altLang="zh-CN" dirty="0" smtClean="0"/>
+              <a:t>Any question?</a:t>
+            </a:r>
+            <a:endParaRPr lang="zh-CN" altLang="en-US" dirty="0"/>
+          </a:p>
+        </p:txBody>
+      </p:sp>
+    </p:spTree>
+    <p:extLst>
+      <p:ext uri="{BB962C8B-B14F-4D97-AF65-F5344CB8AC3E}">
+        <p14:creationId xmlns:p14="http://schemas.microsoft.com/office/powerpoint/2010/main" val="4235027356"/>
       </p:ext>
     </p:extLst>
   </p:cSld>
@@ -3213,6 +4374,434 @@
           <a:p>
             <a:r>
               <a:rPr lang="en-US" altLang="zh-CN" dirty="0" smtClean="0"/>
+              <a:t>Outline</a:t>
+            </a:r>
+            <a:endParaRPr lang="zh-CN" altLang="en-US" dirty="0"/>
+          </a:p>
+        </p:txBody>
+      </p:sp>
+      <p:sp>
+        <p:nvSpPr>
+          <p:cNvPr id="3" name="内容占位符 2"/>
+          <p:cNvSpPr>
+            <a:spLocks noGrp="1"/>
+          </p:cNvSpPr>
+          <p:nvPr>
+            <p:ph idx="1"/>
+          </p:nvPr>
+        </p:nvSpPr>
+        <p:spPr/>
+        <p:txBody>
+          <a:bodyPr/>
+          <a:lstStyle/>
+          <a:p>
+            <a:r>
+              <a:rPr lang="en-US" altLang="zh-CN" dirty="0"/>
+              <a:t>Needs </a:t>
+            </a:r>
+            <a:r>
+              <a:rPr lang="en-US" altLang="zh-CN" dirty="0" smtClean="0"/>
+              <a:t>Analyses</a:t>
+            </a:r>
+          </a:p>
+          <a:p>
+            <a:r>
+              <a:rPr lang="en-US" altLang="zh-CN" dirty="0" smtClean="0"/>
+              <a:t>Matrix</a:t>
+            </a:r>
+          </a:p>
+          <a:p>
+            <a:r>
+              <a:rPr lang="en-US" altLang="zh-CN" dirty="0" smtClean="0"/>
+              <a:t>Design</a:t>
+            </a:r>
+          </a:p>
+          <a:p>
+            <a:r>
+              <a:rPr lang="en-US" altLang="zh-CN" dirty="0" smtClean="0"/>
+              <a:t>Time table</a:t>
+            </a:r>
+          </a:p>
+          <a:p>
+            <a:r>
+              <a:rPr lang="en-US" altLang="zh-CN" dirty="0" smtClean="0"/>
+              <a:t>Conclusion</a:t>
+            </a:r>
+            <a:endParaRPr lang="zh-CN" altLang="en-US" dirty="0"/>
+          </a:p>
+        </p:txBody>
+      </p:sp>
+    </p:spTree>
+    <p:extLst>
+      <p:ext uri="{BB962C8B-B14F-4D97-AF65-F5344CB8AC3E}">
+        <p14:creationId xmlns:p14="http://schemas.microsoft.com/office/powerpoint/2010/main" val="301357997"/>
+      </p:ext>
+    </p:extLst>
+  </p:cSld>
+  <p:clrMapOvr>
+    <a:masterClrMapping/>
+  </p:clrMapOvr>
+</p:sld>
+</file>
+
+<file path=ppt/slides/slide3.xml><?xml version="1.0" encoding="utf-8"?>
+<p:sld xmlns:a="http://schemas.openxmlformats.org/drawingml/2006/main" xmlns:r="http://schemas.openxmlformats.org/officeDocument/2006/relationships" xmlns:p="http://schemas.openxmlformats.org/presentationml/2006/main">
+  <p:cSld>
+    <p:spTree>
+      <p:nvGrpSpPr>
+        <p:cNvPr id="1" name=""/>
+        <p:cNvGrpSpPr/>
+        <p:nvPr/>
+      </p:nvGrpSpPr>
+      <p:grpSpPr>
+        <a:xfrm>
+          <a:off x="0" y="0"/>
+          <a:ext cx="0" cy="0"/>
+          <a:chOff x="0" y="0"/>
+          <a:chExt cx="0" cy="0"/>
+        </a:xfrm>
+      </p:grpSpPr>
+      <p:sp>
+        <p:nvSpPr>
+          <p:cNvPr id="2" name="标题 1"/>
+          <p:cNvSpPr>
+            <a:spLocks noGrp="1"/>
+          </p:cNvSpPr>
+          <p:nvPr>
+            <p:ph type="title"/>
+          </p:nvPr>
+        </p:nvSpPr>
+        <p:spPr/>
+        <p:txBody>
+          <a:bodyPr/>
+          <a:lstStyle/>
+          <a:p>
+            <a:r>
+              <a:rPr lang="en-US" altLang="zh-CN" dirty="0" smtClean="0"/>
+              <a:t>Needs Analyses</a:t>
+            </a:r>
+            <a:endParaRPr lang="zh-CN" altLang="en-US" dirty="0"/>
+          </a:p>
+        </p:txBody>
+      </p:sp>
+      <p:sp>
+        <p:nvSpPr>
+          <p:cNvPr id="3" name="内容占位符 2"/>
+          <p:cNvSpPr>
+            <a:spLocks noGrp="1"/>
+          </p:cNvSpPr>
+          <p:nvPr>
+            <p:ph idx="1"/>
+          </p:nvPr>
+        </p:nvSpPr>
+        <p:spPr/>
+        <p:txBody>
+          <a:bodyPr/>
+          <a:lstStyle/>
+          <a:p>
+            <a:r>
+              <a:rPr lang="en-US" altLang="zh-CN" dirty="0" smtClean="0"/>
+              <a:t>5</a:t>
+            </a:r>
+            <a:r>
+              <a:rPr lang="en-US" altLang="zh-CN" dirty="0"/>
+              <a:t>% of annual </a:t>
+            </a:r>
+            <a:r>
+              <a:rPr lang="en-US" altLang="zh-CN" dirty="0" smtClean="0"/>
+              <a:t>budget </a:t>
+            </a:r>
+          </a:p>
+          <a:p>
+            <a:r>
+              <a:rPr lang="en-US" altLang="zh-CN" dirty="0" smtClean="0"/>
+              <a:t>Make </a:t>
+            </a:r>
+            <a:r>
+              <a:rPr lang="en-US" altLang="zh-CN" dirty="0"/>
+              <a:t>an improvement </a:t>
+            </a:r>
+            <a:r>
+              <a:rPr lang="en-US" altLang="zh-CN" dirty="0" smtClean="0"/>
+              <a:t>to campus</a:t>
+            </a:r>
+          </a:p>
+          <a:p>
+            <a:r>
+              <a:rPr lang="en-US" altLang="zh-CN" dirty="0" smtClean="0"/>
+              <a:t>Improve </a:t>
+            </a:r>
+            <a:r>
+              <a:rPr lang="en-US" altLang="zh-CN" dirty="0"/>
+              <a:t>the </a:t>
+            </a:r>
+            <a:r>
+              <a:rPr lang="en-US" altLang="zh-CN" dirty="0" smtClean="0"/>
+              <a:t>anteroom</a:t>
+            </a:r>
+          </a:p>
+          <a:p>
+            <a:r>
+              <a:rPr lang="en-US" altLang="zh-CN" dirty="0" smtClean="0"/>
+              <a:t>Heating </a:t>
+            </a:r>
+            <a:r>
+              <a:rPr lang="en-US" altLang="zh-CN" dirty="0"/>
+              <a:t>control system</a:t>
+            </a:r>
+            <a:endParaRPr lang="zh-CN" altLang="en-US" dirty="0"/>
+          </a:p>
+        </p:txBody>
+      </p:sp>
+    </p:spTree>
+    <p:extLst>
+      <p:ext uri="{BB962C8B-B14F-4D97-AF65-F5344CB8AC3E}">
+        <p14:creationId xmlns:p14="http://schemas.microsoft.com/office/powerpoint/2010/main" val="2194056876"/>
+      </p:ext>
+    </p:extLst>
+  </p:cSld>
+  <p:clrMapOvr>
+    <a:masterClrMapping/>
+  </p:clrMapOvr>
+</p:sld>
+</file>
+
+<file path=ppt/slides/slide4.xml><?xml version="1.0" encoding="utf-8"?>
+<p:sld xmlns:a="http://schemas.openxmlformats.org/drawingml/2006/main" xmlns:r="http://schemas.openxmlformats.org/officeDocument/2006/relationships" xmlns:p="http://schemas.openxmlformats.org/presentationml/2006/main">
+  <p:cSld>
+    <p:spTree>
+      <p:nvGrpSpPr>
+        <p:cNvPr id="1" name=""/>
+        <p:cNvGrpSpPr/>
+        <p:nvPr/>
+      </p:nvGrpSpPr>
+      <p:grpSpPr>
+        <a:xfrm>
+          <a:off x="0" y="0"/>
+          <a:ext cx="0" cy="0"/>
+          <a:chOff x="0" y="0"/>
+          <a:chExt cx="0" cy="0"/>
+        </a:xfrm>
+      </p:grpSpPr>
+      <p:sp>
+        <p:nvSpPr>
+          <p:cNvPr id="2" name="标题 1"/>
+          <p:cNvSpPr>
+            <a:spLocks noGrp="1"/>
+          </p:cNvSpPr>
+          <p:nvPr>
+            <p:ph type="title"/>
+          </p:nvPr>
+        </p:nvSpPr>
+        <p:spPr/>
+        <p:txBody>
+          <a:bodyPr/>
+          <a:lstStyle/>
+          <a:p>
+            <a:r>
+              <a:rPr lang="en-US" altLang="zh-CN" dirty="0" smtClean="0"/>
+              <a:t>Constraints &amp; </a:t>
+            </a:r>
+            <a:r>
+              <a:rPr lang="en-US" altLang="zh-CN" dirty="0"/>
+              <a:t>Criteria</a:t>
+            </a:r>
+            <a:endParaRPr lang="zh-CN" altLang="en-US" dirty="0"/>
+          </a:p>
+        </p:txBody>
+      </p:sp>
+      <p:sp>
+        <p:nvSpPr>
+          <p:cNvPr id="4" name="文本占位符 3"/>
+          <p:cNvSpPr>
+            <a:spLocks noGrp="1"/>
+          </p:cNvSpPr>
+          <p:nvPr>
+            <p:ph type="body" idx="1"/>
+          </p:nvPr>
+        </p:nvSpPr>
+        <p:spPr/>
+        <p:txBody>
+          <a:bodyPr/>
+          <a:lstStyle/>
+          <a:p>
+            <a:r>
+              <a:rPr lang="en-US" altLang="zh-CN" dirty="0"/>
+              <a:t>Constraints</a:t>
+            </a:r>
+            <a:endParaRPr lang="zh-CN" altLang="en-US" dirty="0"/>
+          </a:p>
+        </p:txBody>
+      </p:sp>
+      <p:sp>
+        <p:nvSpPr>
+          <p:cNvPr id="5" name="内容占位符 4"/>
+          <p:cNvSpPr>
+            <a:spLocks noGrp="1"/>
+          </p:cNvSpPr>
+          <p:nvPr>
+            <p:ph sz="half" idx="2"/>
+          </p:nvPr>
+        </p:nvSpPr>
+        <p:spPr/>
+        <p:txBody>
+          <a:bodyPr/>
+          <a:lstStyle/>
+          <a:p>
+            <a:r>
+              <a:rPr lang="en-US" altLang="zh-CN" dirty="0" smtClean="0"/>
+              <a:t>No </a:t>
+            </a:r>
+            <a:r>
+              <a:rPr lang="en-US" altLang="zh-CN" dirty="0"/>
+              <a:t>more than 5% of annual budget ($ 8 million)</a:t>
+            </a:r>
+            <a:endParaRPr lang="zh-CN" altLang="zh-CN" dirty="0"/>
+          </a:p>
+          <a:p>
+            <a:r>
+              <a:rPr lang="en-US" altLang="zh-CN" dirty="0" smtClean="0"/>
+              <a:t>Transform </a:t>
+            </a:r>
+            <a:r>
+              <a:rPr lang="en-US" altLang="zh-CN" dirty="0"/>
+              <a:t>all the anterooms of campus building</a:t>
+            </a:r>
+            <a:endParaRPr lang="zh-CN" altLang="zh-CN" dirty="0"/>
+          </a:p>
+          <a:p>
+            <a:r>
+              <a:rPr lang="en-US" altLang="zh-CN" dirty="0" smtClean="0"/>
+              <a:t>Shouldn’t </a:t>
+            </a:r>
+            <a:r>
+              <a:rPr lang="en-US" altLang="zh-CN" dirty="0"/>
+              <a:t>change main building structure of buildings</a:t>
+            </a:r>
+            <a:endParaRPr lang="zh-CN" altLang="zh-CN" dirty="0"/>
+          </a:p>
+          <a:p>
+            <a:endParaRPr lang="zh-CN" altLang="en-US" dirty="0"/>
+          </a:p>
+        </p:txBody>
+      </p:sp>
+      <p:sp>
+        <p:nvSpPr>
+          <p:cNvPr id="6" name="文本占位符 5"/>
+          <p:cNvSpPr>
+            <a:spLocks noGrp="1"/>
+          </p:cNvSpPr>
+          <p:nvPr>
+            <p:ph type="body" sz="quarter" idx="3"/>
+          </p:nvPr>
+        </p:nvSpPr>
+        <p:spPr/>
+        <p:txBody>
+          <a:bodyPr/>
+          <a:lstStyle/>
+          <a:p>
+            <a:r>
+              <a:rPr lang="en-US" altLang="zh-CN" dirty="0"/>
+              <a:t>Criteria</a:t>
+            </a:r>
+            <a:endParaRPr lang="zh-CN" altLang="en-US" dirty="0"/>
+          </a:p>
+        </p:txBody>
+      </p:sp>
+      <p:sp>
+        <p:nvSpPr>
+          <p:cNvPr id="7" name="内容占位符 6"/>
+          <p:cNvSpPr>
+            <a:spLocks noGrp="1"/>
+          </p:cNvSpPr>
+          <p:nvPr>
+            <p:ph sz="quarter" idx="4"/>
+          </p:nvPr>
+        </p:nvSpPr>
+        <p:spPr/>
+        <p:txBody>
+          <a:bodyPr/>
+          <a:lstStyle/>
+          <a:p>
+            <a:r>
+              <a:rPr lang="en-US" altLang="zh-CN" dirty="0"/>
+              <a:t>Durable</a:t>
+            </a:r>
+            <a:endParaRPr lang="zh-CN" altLang="zh-CN" dirty="0"/>
+          </a:p>
+          <a:p>
+            <a:r>
+              <a:rPr lang="en-US" altLang="zh-CN" dirty="0" smtClean="0"/>
+              <a:t>Cheap</a:t>
+            </a:r>
+            <a:endParaRPr lang="zh-CN" altLang="zh-CN" dirty="0"/>
+          </a:p>
+          <a:p>
+            <a:r>
+              <a:rPr lang="en-US" altLang="zh-CN" dirty="0" smtClean="0"/>
+              <a:t>Efficiency</a:t>
+            </a:r>
+            <a:endParaRPr lang="zh-CN" altLang="zh-CN" dirty="0"/>
+          </a:p>
+          <a:p>
+            <a:r>
+              <a:rPr lang="en-US" altLang="zh-CN" dirty="0" smtClean="0"/>
+              <a:t>Safe</a:t>
+            </a:r>
+            <a:endParaRPr lang="zh-CN" altLang="zh-CN" dirty="0"/>
+          </a:p>
+          <a:p>
+            <a:endParaRPr lang="zh-CN" altLang="en-US" dirty="0"/>
+          </a:p>
+        </p:txBody>
+      </p:sp>
+    </p:spTree>
+    <p:extLst>
+      <p:ext uri="{BB962C8B-B14F-4D97-AF65-F5344CB8AC3E}">
+        <p14:creationId xmlns:p14="http://schemas.microsoft.com/office/powerpoint/2010/main" val="1473423625"/>
+      </p:ext>
+    </p:extLst>
+  </p:cSld>
+  <p:clrMapOvr>
+    <a:masterClrMapping/>
+  </p:clrMapOvr>
+</p:sld>
+</file>
+
+<file path=ppt/slides/slide5.xml><?xml version="1.0" encoding="utf-8"?>
+<p:sld xmlns:a="http://schemas.openxmlformats.org/drawingml/2006/main" xmlns:r="http://schemas.openxmlformats.org/officeDocument/2006/relationships" xmlns:p="http://schemas.openxmlformats.org/presentationml/2006/main">
+  <p:cSld>
+    <p:spTree>
+      <p:nvGrpSpPr>
+        <p:cNvPr id="1" name=""/>
+        <p:cNvGrpSpPr/>
+        <p:nvPr/>
+      </p:nvGrpSpPr>
+      <p:grpSpPr>
+        <a:xfrm>
+          <a:off x="0" y="0"/>
+          <a:ext cx="0" cy="0"/>
+          <a:chOff x="0" y="0"/>
+          <a:chExt cx="0" cy="0"/>
+        </a:xfrm>
+      </p:grpSpPr>
+      <p:sp>
+        <p:nvSpPr>
+          <p:cNvPr id="2" name="标题 1"/>
+          <p:cNvSpPr>
+            <a:spLocks noGrp="1"/>
+          </p:cNvSpPr>
+          <p:nvPr>
+            <p:ph type="title"/>
+          </p:nvPr>
+        </p:nvSpPr>
+        <p:spPr/>
+        <p:txBody>
+          <a:bodyPr/>
+          <a:lstStyle/>
+          <a:p>
+            <a:r>
+              <a:rPr lang="en-US" altLang="zh-CN" dirty="0" smtClean="0"/>
               <a:t>Our Budget</a:t>
             </a:r>
             <a:endParaRPr lang="zh-CN" altLang="en-US" dirty="0"/>
@@ -3256,8 +4845,8 @@
         </p:nvSpPr>
         <p:spPr>
           <a:xfrm>
-            <a:off x="4056148" y="1878433"/>
-            <a:ext cx="4248472" cy="369332"/>
+            <a:off x="4056148" y="2309320"/>
+            <a:ext cx="4248472" cy="861774"/>
           </a:xfrm>
           <a:prstGeom prst="rect">
             <a:avLst/>
@@ -3271,10 +4860,10 @@
           <a:lstStyle/>
           <a:p>
             <a:r>
-              <a:rPr lang="en-US" altLang="zh-CN" dirty="0" smtClean="0"/>
+              <a:rPr lang="en-US" altLang="zh-CN" sz="2500" dirty="0" smtClean="0"/>
               <a:t>$160,125,982 * 5% =  $8,006,299.1</a:t>
             </a:r>
-            <a:endParaRPr lang="zh-CN" altLang="en-US" dirty="0"/>
+            <a:endParaRPr lang="zh-CN" altLang="en-US" sz="2500" dirty="0"/>
           </a:p>
         </p:txBody>
       </p:sp>
@@ -3286,8 +4875,8 @@
         </p:nvSpPr>
         <p:spPr>
           <a:xfrm>
-            <a:off x="4283968" y="3212976"/>
-            <a:ext cx="4176464" cy="369332"/>
+            <a:off x="4051412" y="3933056"/>
+            <a:ext cx="4176464" cy="477054"/>
           </a:xfrm>
           <a:prstGeom prst="rect">
             <a:avLst/>
@@ -3301,10 +4890,10 @@
           <a:lstStyle/>
           <a:p>
             <a:r>
-              <a:rPr lang="en-US" altLang="zh-CN" dirty="0" smtClean="0"/>
+              <a:rPr lang="en-US" altLang="zh-CN" sz="2500" dirty="0" smtClean="0"/>
               <a:t>8 millions dollar cap</a:t>
             </a:r>
-            <a:endParaRPr lang="zh-CN" altLang="en-US" dirty="0"/>
+            <a:endParaRPr lang="zh-CN" altLang="en-US" sz="2500" dirty="0"/>
           </a:p>
         </p:txBody>
       </p:sp>
@@ -3328,7 +4917,7 @@
 </p:sld>
 </file>
 
-<file path=ppt/slides/slide3.xml><?xml version="1.0" encoding="utf-8"?>
+<file path=ppt/slides/slide6.xml><?xml version="1.0" encoding="utf-8"?>
 <p:sld xmlns:a="http://schemas.openxmlformats.org/drawingml/2006/main" xmlns:r="http://schemas.openxmlformats.org/officeDocument/2006/relationships" xmlns:p="http://schemas.openxmlformats.org/presentationml/2006/main">
   <p:cSld>
     <p:spTree>
@@ -3405,7 +4994,7 @@
         </p:nvSpPr>
         <p:spPr>
           <a:xfrm>
-            <a:off x="6588224" y="1700808"/>
+            <a:off x="6660232" y="1700808"/>
             <a:ext cx="2555776" cy="646331"/>
           </a:xfrm>
           <a:prstGeom prst="rect">
@@ -3465,7 +5054,7 @@
         </p:nvSpPr>
         <p:spPr>
           <a:xfrm>
-            <a:off x="6804248" y="4293096"/>
+            <a:off x="6660232" y="4293095"/>
             <a:ext cx="2016224" cy="646331"/>
           </a:xfrm>
           <a:prstGeom prst="rect">
@@ -3483,6 +5072,39 @@
               <a:rPr lang="en-US" altLang="zh-CN" dirty="0" smtClean="0"/>
               <a:t>Orange:	Other 	building</a:t>
             </a:r>
+            <a:endParaRPr lang="zh-CN" altLang="en-US" dirty="0"/>
+          </a:p>
+        </p:txBody>
+      </p:sp>
+      <p:sp>
+        <p:nvSpPr>
+          <p:cNvPr id="3" name="TextBox 2"/>
+          <p:cNvSpPr txBox="1"/>
+          <p:nvPr/>
+        </p:nvSpPr>
+        <p:spPr>
+          <a:xfrm>
+            <a:off x="6660232" y="5373216"/>
+            <a:ext cx="2016224" cy="646331"/>
+          </a:xfrm>
+          <a:prstGeom prst="rect">
+            <a:avLst/>
+          </a:prstGeom>
+          <a:noFill/>
+        </p:spPr>
+        <p:txBody>
+          <a:bodyPr wrap="square" rtlCol="0">
+            <a:spAutoFit/>
+          </a:bodyPr>
+          <a:lstStyle/>
+          <a:p>
+            <a:pPr marL="0" lvl="4"/>
+            <a:r>
+              <a:rPr lang="en-US" altLang="zh-CN" dirty="0"/>
+              <a:t>Total 320 doors</a:t>
+            </a:r>
+          </a:p>
+          <a:p>
             <a:endParaRPr lang="zh-CN" altLang="en-US" dirty="0"/>
           </a:p>
         </p:txBody>
@@ -3507,7 +5129,7 @@
 </p:sld>
 </file>
 
-<file path=ppt/slides/slide4.xml><?xml version="1.0" encoding="utf-8"?>
+<file path=ppt/slides/slide7.xml><?xml version="1.0" encoding="utf-8"?>
 <p:sld xmlns:a="http://schemas.openxmlformats.org/drawingml/2006/main" xmlns:r="http://schemas.openxmlformats.org/officeDocument/2006/relationships" xmlns:p="http://schemas.openxmlformats.org/presentationml/2006/main">
   <p:cSld>
     <p:spTree>
@@ -3541,98 +5163,1142 @@
           <a:p>
             <a:r>
               <a:rPr lang="en-US" altLang="zh-CN" dirty="0" smtClean="0"/>
-              <a:t>Entrance Room</a:t>
+              <a:t>Matrix</a:t>
             </a:r>
             <a:endParaRPr lang="zh-CN" altLang="en-US" dirty="0"/>
           </a:p>
         </p:txBody>
       </p:sp>
-      <p:sp>
-        <p:nvSpPr>
-          <p:cNvPr id="3" name="内容占位符 2"/>
-          <p:cNvSpPr>
-            <a:spLocks noGrp="1"/>
-          </p:cNvSpPr>
-          <p:nvPr>
-            <p:ph idx="1"/>
-          </p:nvPr>
-        </p:nvSpPr>
-        <p:spPr/>
-        <p:txBody>
-          <a:bodyPr/>
-          <a:lstStyle/>
-          <a:p>
-            <a:r>
-              <a:rPr lang="en-US" altLang="zh-CN" dirty="0" smtClean="0"/>
-              <a:t>11  Academic Buildings</a:t>
-            </a:r>
-          </a:p>
-          <a:p>
-            <a:r>
-              <a:rPr lang="en-US" altLang="zh-CN" dirty="0" smtClean="0"/>
-              <a:t>6    Residence Buildings</a:t>
-            </a:r>
-            <a:endParaRPr lang="en-US" altLang="zh-CN" dirty="0"/>
-          </a:p>
-          <a:p>
-            <a:r>
-              <a:rPr lang="en-US" altLang="zh-CN" dirty="0" smtClean="0"/>
-              <a:t>18  Other Buildings</a:t>
-            </a:r>
-          </a:p>
-          <a:p>
-            <a:endParaRPr lang="en-US" altLang="zh-CN" dirty="0" smtClean="0"/>
-          </a:p>
-          <a:p>
-            <a:r>
-              <a:rPr lang="en-US" altLang="zh-CN" dirty="0" smtClean="0"/>
-              <a:t>Estimate 2 entrances every building</a:t>
-            </a:r>
-          </a:p>
-          <a:p>
-            <a:pPr lvl="4"/>
-            <a:r>
-              <a:rPr lang="en-US" altLang="zh-CN" dirty="0" smtClean="0"/>
-              <a:t>Equals 8 doors</a:t>
-            </a:r>
-          </a:p>
-          <a:p>
-            <a:pPr lvl="4"/>
-            <a:r>
-              <a:rPr lang="en-US" altLang="zh-CN" dirty="0" smtClean="0"/>
-              <a:t>Total 320 doors</a:t>
-            </a:r>
-          </a:p>
-          <a:p>
-            <a:pPr lvl="4"/>
-            <a:r>
-              <a:rPr lang="en-US" altLang="zh-CN" dirty="0" smtClean="0"/>
-              <a:t>$2,5000 per door</a:t>
-            </a:r>
-          </a:p>
-        </p:txBody>
-      </p:sp>
+      <p:graphicFrame>
+        <p:nvGraphicFramePr>
+          <p:cNvPr id="4" name="表格 3"/>
+          <p:cNvGraphicFramePr>
+            <a:graphicFrameLocks noGrp="1"/>
+          </p:cNvGraphicFramePr>
+          <p:nvPr>
+            <p:extLst>
+              <p:ext uri="{D42A27DB-BD31-4B8C-83A1-F6EECF244321}">
+                <p14:modId xmlns:p14="http://schemas.microsoft.com/office/powerpoint/2010/main" val="3714253102"/>
+              </p:ext>
+            </p:extLst>
+          </p:nvPr>
+        </p:nvGraphicFramePr>
+        <p:xfrm>
+          <a:off x="467543" y="1628797"/>
+          <a:ext cx="8280920" cy="4968553"/>
+        </p:xfrm>
+        <a:graphic>
+          <a:graphicData uri="http://schemas.openxmlformats.org/drawingml/2006/table">
+            <a:tbl>
+              <a:tblPr firstRow="1" firstCol="1" bandRow="1">
+                <a:tableStyleId>{5C22544A-7EE6-4342-B048-85BDC9FD1C3A}</a:tableStyleId>
+              </a:tblPr>
+              <a:tblGrid>
+                <a:gridCol w="1379829"/>
+                <a:gridCol w="1379829"/>
+                <a:gridCol w="1379829"/>
+                <a:gridCol w="1379829"/>
+                <a:gridCol w="1380802"/>
+                <a:gridCol w="1380802"/>
+              </a:tblGrid>
+              <a:tr h="1055013">
+                <a:tc>
+                  <a:txBody>
+                    <a:bodyPr/>
+                    <a:lstStyle/>
+                    <a:p>
+                      <a:pPr>
+                        <a:lnSpc>
+                          <a:spcPct val="200000"/>
+                        </a:lnSpc>
+                        <a:spcAft>
+                          <a:spcPts val="0"/>
+                        </a:spcAft>
+                      </a:pPr>
+                      <a:r>
+                        <a:rPr lang="en-US" sz="1600" kern="100" dirty="0">
+                          <a:effectLst/>
+                        </a:rPr>
+                        <a:t> </a:t>
+                      </a:r>
+                      <a:endParaRPr lang="zh-CN" sz="1600" kern="100" dirty="0">
+                        <a:effectLst/>
+                        <a:latin typeface="Times New Roman"/>
+                        <a:ea typeface="Times New Roman"/>
+                        <a:cs typeface="Times New Roman"/>
+                      </a:endParaRPr>
+                    </a:p>
+                  </a:txBody>
+                  <a:tcPr marL="68580" marR="68580" marT="0" marB="0"/>
+                </a:tc>
+                <a:tc>
+                  <a:txBody>
+                    <a:bodyPr/>
+                    <a:lstStyle/>
+                    <a:p>
+                      <a:pPr>
+                        <a:lnSpc>
+                          <a:spcPct val="200000"/>
+                        </a:lnSpc>
+                        <a:spcAft>
+                          <a:spcPts val="0"/>
+                        </a:spcAft>
+                      </a:pPr>
+                      <a:r>
+                        <a:rPr lang="en-US" sz="1600" kern="100" dirty="0">
+                          <a:effectLst/>
+                        </a:rPr>
+                        <a:t>weight</a:t>
+                      </a:r>
+                      <a:endParaRPr lang="zh-CN" sz="1600" kern="100" dirty="0">
+                        <a:effectLst/>
+                        <a:latin typeface="Times New Roman"/>
+                        <a:ea typeface="Times New Roman"/>
+                        <a:cs typeface="Times New Roman"/>
+                      </a:endParaRPr>
+                    </a:p>
+                  </a:txBody>
+                  <a:tcPr marL="68580" marR="68580" marT="0" marB="0"/>
+                </a:tc>
+                <a:tc>
+                  <a:txBody>
+                    <a:bodyPr/>
+                    <a:lstStyle/>
+                    <a:p>
+                      <a:pPr>
+                        <a:lnSpc>
+                          <a:spcPct val="200000"/>
+                        </a:lnSpc>
+                        <a:spcAft>
+                          <a:spcPts val="0"/>
+                        </a:spcAft>
+                      </a:pPr>
+                      <a:r>
+                        <a:rPr lang="en-US" sz="1600" kern="100" dirty="0">
+                          <a:effectLst/>
+                        </a:rPr>
+                        <a:t>individual </a:t>
+                      </a:r>
+                      <a:r>
+                        <a:rPr lang="en-US" sz="1600" kern="100" dirty="0" smtClean="0">
+                          <a:effectLst/>
+                        </a:rPr>
+                        <a:t>self-heating</a:t>
+                      </a:r>
+                      <a:endParaRPr lang="zh-CN" sz="1600" kern="100" dirty="0">
+                        <a:effectLst/>
+                        <a:latin typeface="Times New Roman"/>
+                        <a:ea typeface="Times New Roman"/>
+                        <a:cs typeface="Times New Roman"/>
+                      </a:endParaRPr>
+                    </a:p>
+                  </a:txBody>
+                  <a:tcPr marL="68580" marR="68580" marT="0" marB="0"/>
+                </a:tc>
+                <a:tc>
+                  <a:txBody>
+                    <a:bodyPr/>
+                    <a:lstStyle/>
+                    <a:p>
+                      <a:pPr>
+                        <a:lnSpc>
+                          <a:spcPct val="200000"/>
+                        </a:lnSpc>
+                        <a:spcAft>
+                          <a:spcPts val="0"/>
+                        </a:spcAft>
+                      </a:pPr>
+                      <a:r>
+                        <a:rPr lang="en-US" sz="1600" kern="100" dirty="0">
+                          <a:effectLst/>
+                        </a:rPr>
+                        <a:t>net power </a:t>
+                      </a:r>
+                      <a:r>
+                        <a:rPr lang="en-US" sz="1600" kern="100" dirty="0" smtClean="0">
+                          <a:effectLst/>
+                        </a:rPr>
+                        <a:t>transfer</a:t>
+                      </a:r>
+                      <a:endParaRPr lang="zh-CN" sz="1600" kern="100" dirty="0">
+                        <a:effectLst/>
+                        <a:latin typeface="Times New Roman"/>
+                        <a:ea typeface="Times New Roman"/>
+                        <a:cs typeface="Times New Roman"/>
+                      </a:endParaRPr>
+                    </a:p>
+                  </a:txBody>
+                  <a:tcPr marL="68580" marR="68580" marT="0" marB="0"/>
+                </a:tc>
+                <a:tc>
+                  <a:txBody>
+                    <a:bodyPr/>
+                    <a:lstStyle/>
+                    <a:p>
+                      <a:pPr>
+                        <a:lnSpc>
+                          <a:spcPct val="200000"/>
+                        </a:lnSpc>
+                        <a:spcAft>
+                          <a:spcPts val="0"/>
+                        </a:spcAft>
+                      </a:pPr>
+                      <a:r>
+                        <a:rPr lang="en-US" sz="1600" kern="100" dirty="0">
+                          <a:effectLst/>
+                        </a:rPr>
+                        <a:t>foot board </a:t>
+                      </a:r>
+                      <a:r>
+                        <a:rPr lang="en-US" sz="1600" kern="100" dirty="0" smtClean="0">
+                          <a:effectLst/>
+                        </a:rPr>
+                        <a:t>self-heating</a:t>
+                      </a:r>
+                      <a:endParaRPr lang="zh-CN" sz="1600" kern="100" dirty="0">
+                        <a:effectLst/>
+                        <a:latin typeface="Times New Roman"/>
+                        <a:ea typeface="Times New Roman"/>
+                        <a:cs typeface="Times New Roman"/>
+                      </a:endParaRPr>
+                    </a:p>
+                  </a:txBody>
+                  <a:tcPr marL="68580" marR="68580" marT="0" marB="0"/>
+                </a:tc>
+                <a:tc>
+                  <a:txBody>
+                    <a:bodyPr/>
+                    <a:lstStyle/>
+                    <a:p>
+                      <a:pPr>
+                        <a:lnSpc>
+                          <a:spcPct val="200000"/>
+                        </a:lnSpc>
+                        <a:spcAft>
+                          <a:spcPts val="0"/>
+                        </a:spcAft>
+                      </a:pPr>
+                      <a:r>
+                        <a:rPr lang="en-US" sz="1600" kern="100" dirty="0">
+                          <a:effectLst/>
+                        </a:rPr>
+                        <a:t>computer </a:t>
+                      </a:r>
+                      <a:r>
+                        <a:rPr lang="en-US" sz="1600" kern="100" dirty="0" smtClean="0">
+                          <a:effectLst/>
+                        </a:rPr>
+                        <a:t>control</a:t>
+                      </a:r>
+                      <a:endParaRPr lang="zh-CN" sz="1600" kern="100" dirty="0">
+                        <a:effectLst/>
+                        <a:latin typeface="Times New Roman"/>
+                        <a:ea typeface="Times New Roman"/>
+                        <a:cs typeface="Times New Roman"/>
+                      </a:endParaRPr>
+                    </a:p>
+                  </a:txBody>
+                  <a:tcPr marL="68580" marR="68580" marT="0" marB="0"/>
+                </a:tc>
+              </a:tr>
+              <a:tr h="782708">
+                <a:tc>
+                  <a:txBody>
+                    <a:bodyPr/>
+                    <a:lstStyle/>
+                    <a:p>
+                      <a:pPr>
+                        <a:lnSpc>
+                          <a:spcPct val="200000"/>
+                        </a:lnSpc>
+                        <a:spcAft>
+                          <a:spcPts val="0"/>
+                        </a:spcAft>
+                      </a:pPr>
+                      <a:r>
+                        <a:rPr lang="en-US" sz="2000" kern="100" dirty="0">
+                          <a:effectLst/>
+                        </a:rPr>
+                        <a:t>cost</a:t>
+                      </a:r>
+                      <a:endParaRPr lang="zh-CN" sz="2000" kern="100" dirty="0">
+                        <a:effectLst/>
+                        <a:latin typeface="Times New Roman"/>
+                        <a:ea typeface="Times New Roman"/>
+                        <a:cs typeface="Times New Roman"/>
+                      </a:endParaRPr>
+                    </a:p>
+                  </a:txBody>
+                  <a:tcPr marL="68580" marR="68580" marT="0" marB="0"/>
+                </a:tc>
+                <a:tc>
+                  <a:txBody>
+                    <a:bodyPr/>
+                    <a:lstStyle/>
+                    <a:p>
+                      <a:pPr algn="ctr">
+                        <a:lnSpc>
+                          <a:spcPct val="200000"/>
+                        </a:lnSpc>
+                        <a:spcAft>
+                          <a:spcPts val="0"/>
+                        </a:spcAft>
+                      </a:pPr>
+                      <a:r>
+                        <a:rPr lang="en-US" sz="2500" kern="100" dirty="0">
+                          <a:effectLst/>
+                        </a:rPr>
+                        <a:t>20%</a:t>
+                      </a:r>
+                      <a:endParaRPr lang="zh-CN" sz="2500" kern="100" dirty="0">
+                        <a:effectLst/>
+                        <a:latin typeface="Times New Roman"/>
+                        <a:ea typeface="Times New Roman"/>
+                        <a:cs typeface="Times New Roman"/>
+                      </a:endParaRPr>
+                    </a:p>
+                  </a:txBody>
+                  <a:tcPr marL="68580" marR="68580" marT="0" marB="0"/>
+                </a:tc>
+                <a:tc>
+                  <a:txBody>
+                    <a:bodyPr/>
+                    <a:lstStyle/>
+                    <a:p>
+                      <a:pPr algn="ctr">
+                        <a:lnSpc>
+                          <a:spcPct val="200000"/>
+                        </a:lnSpc>
+                        <a:spcAft>
+                          <a:spcPts val="0"/>
+                        </a:spcAft>
+                      </a:pPr>
+                      <a:r>
+                        <a:rPr lang="en-US" sz="2500" kern="100">
+                          <a:effectLst/>
+                        </a:rPr>
+                        <a:t>7</a:t>
+                      </a:r>
+                      <a:endParaRPr lang="zh-CN" sz="2500" kern="100">
+                        <a:effectLst/>
+                        <a:latin typeface="Times New Roman"/>
+                        <a:ea typeface="Times New Roman"/>
+                        <a:cs typeface="Times New Roman"/>
+                      </a:endParaRPr>
+                    </a:p>
+                  </a:txBody>
+                  <a:tcPr marL="68580" marR="68580" marT="0" marB="0"/>
+                </a:tc>
+                <a:tc>
+                  <a:txBody>
+                    <a:bodyPr/>
+                    <a:lstStyle/>
+                    <a:p>
+                      <a:pPr algn="ctr">
+                        <a:lnSpc>
+                          <a:spcPct val="200000"/>
+                        </a:lnSpc>
+                        <a:spcAft>
+                          <a:spcPts val="0"/>
+                        </a:spcAft>
+                      </a:pPr>
+                      <a:r>
+                        <a:rPr lang="en-US" sz="2500" kern="100">
+                          <a:effectLst/>
+                        </a:rPr>
+                        <a:t>5</a:t>
+                      </a:r>
+                      <a:endParaRPr lang="zh-CN" sz="2500" kern="100">
+                        <a:effectLst/>
+                        <a:latin typeface="Times New Roman"/>
+                        <a:ea typeface="Times New Roman"/>
+                        <a:cs typeface="Times New Roman"/>
+                      </a:endParaRPr>
+                    </a:p>
+                  </a:txBody>
+                  <a:tcPr marL="68580" marR="68580" marT="0" marB="0"/>
+                </a:tc>
+                <a:tc>
+                  <a:txBody>
+                    <a:bodyPr/>
+                    <a:lstStyle/>
+                    <a:p>
+                      <a:pPr algn="ctr">
+                        <a:lnSpc>
+                          <a:spcPct val="200000"/>
+                        </a:lnSpc>
+                        <a:spcAft>
+                          <a:spcPts val="0"/>
+                        </a:spcAft>
+                      </a:pPr>
+                      <a:r>
+                        <a:rPr lang="en-US" sz="2500" kern="100">
+                          <a:effectLst/>
+                        </a:rPr>
+                        <a:t>8</a:t>
+                      </a:r>
+                      <a:endParaRPr lang="zh-CN" sz="2500" kern="100">
+                        <a:effectLst/>
+                        <a:latin typeface="Times New Roman"/>
+                        <a:ea typeface="Times New Roman"/>
+                        <a:cs typeface="Times New Roman"/>
+                      </a:endParaRPr>
+                    </a:p>
+                  </a:txBody>
+                  <a:tcPr marL="68580" marR="68580" marT="0" marB="0"/>
+                </a:tc>
+                <a:tc>
+                  <a:txBody>
+                    <a:bodyPr/>
+                    <a:lstStyle/>
+                    <a:p>
+                      <a:pPr algn="ctr">
+                        <a:lnSpc>
+                          <a:spcPct val="200000"/>
+                        </a:lnSpc>
+                        <a:spcAft>
+                          <a:spcPts val="0"/>
+                        </a:spcAft>
+                      </a:pPr>
+                      <a:r>
+                        <a:rPr lang="en-US" sz="2500" kern="100">
+                          <a:effectLst/>
+                        </a:rPr>
+                        <a:t>9</a:t>
+                      </a:r>
+                      <a:endParaRPr lang="zh-CN" sz="2500" kern="100">
+                        <a:effectLst/>
+                        <a:latin typeface="Times New Roman"/>
+                        <a:ea typeface="Times New Roman"/>
+                        <a:cs typeface="Times New Roman"/>
+                      </a:endParaRPr>
+                    </a:p>
+                  </a:txBody>
+                  <a:tcPr marL="68580" marR="68580" marT="0" marB="0"/>
+                </a:tc>
+              </a:tr>
+              <a:tr h="782708">
+                <a:tc>
+                  <a:txBody>
+                    <a:bodyPr/>
+                    <a:lstStyle/>
+                    <a:p>
+                      <a:pPr>
+                        <a:lnSpc>
+                          <a:spcPct val="200000"/>
+                        </a:lnSpc>
+                        <a:spcAft>
+                          <a:spcPts val="0"/>
+                        </a:spcAft>
+                      </a:pPr>
+                      <a:r>
+                        <a:rPr lang="en-US" sz="2000" kern="100" dirty="0">
+                          <a:effectLst/>
+                        </a:rPr>
+                        <a:t>efficiency</a:t>
+                      </a:r>
+                      <a:endParaRPr lang="zh-CN" sz="2000" kern="100" dirty="0">
+                        <a:effectLst/>
+                        <a:latin typeface="Times New Roman"/>
+                        <a:ea typeface="Times New Roman"/>
+                        <a:cs typeface="Times New Roman"/>
+                      </a:endParaRPr>
+                    </a:p>
+                  </a:txBody>
+                  <a:tcPr marL="68580" marR="68580" marT="0" marB="0"/>
+                </a:tc>
+                <a:tc>
+                  <a:txBody>
+                    <a:bodyPr/>
+                    <a:lstStyle/>
+                    <a:p>
+                      <a:pPr algn="ctr">
+                        <a:lnSpc>
+                          <a:spcPct val="200000"/>
+                        </a:lnSpc>
+                        <a:spcAft>
+                          <a:spcPts val="0"/>
+                        </a:spcAft>
+                      </a:pPr>
+                      <a:r>
+                        <a:rPr lang="en-US" sz="2500" kern="100" dirty="0">
+                          <a:effectLst/>
+                        </a:rPr>
+                        <a:t>30%</a:t>
+                      </a:r>
+                      <a:endParaRPr lang="zh-CN" sz="2500" kern="100" dirty="0">
+                        <a:effectLst/>
+                        <a:latin typeface="Times New Roman"/>
+                        <a:ea typeface="Times New Roman"/>
+                        <a:cs typeface="Times New Roman"/>
+                      </a:endParaRPr>
+                    </a:p>
+                  </a:txBody>
+                  <a:tcPr marL="68580" marR="68580" marT="0" marB="0"/>
+                </a:tc>
+                <a:tc>
+                  <a:txBody>
+                    <a:bodyPr/>
+                    <a:lstStyle/>
+                    <a:p>
+                      <a:pPr algn="ctr">
+                        <a:lnSpc>
+                          <a:spcPct val="200000"/>
+                        </a:lnSpc>
+                        <a:spcAft>
+                          <a:spcPts val="0"/>
+                        </a:spcAft>
+                      </a:pPr>
+                      <a:r>
+                        <a:rPr lang="en-US" sz="2500" kern="100" dirty="0">
+                          <a:effectLst/>
+                        </a:rPr>
+                        <a:t>7</a:t>
+                      </a:r>
+                      <a:endParaRPr lang="zh-CN" sz="2500" kern="100" dirty="0">
+                        <a:effectLst/>
+                        <a:latin typeface="Times New Roman"/>
+                        <a:ea typeface="Times New Roman"/>
+                        <a:cs typeface="Times New Roman"/>
+                      </a:endParaRPr>
+                    </a:p>
+                  </a:txBody>
+                  <a:tcPr marL="68580" marR="68580" marT="0" marB="0"/>
+                </a:tc>
+                <a:tc>
+                  <a:txBody>
+                    <a:bodyPr/>
+                    <a:lstStyle/>
+                    <a:p>
+                      <a:pPr algn="ctr">
+                        <a:lnSpc>
+                          <a:spcPct val="200000"/>
+                        </a:lnSpc>
+                        <a:spcAft>
+                          <a:spcPts val="0"/>
+                        </a:spcAft>
+                      </a:pPr>
+                      <a:r>
+                        <a:rPr lang="en-US" sz="2500" kern="100" dirty="0">
+                          <a:effectLst/>
+                        </a:rPr>
+                        <a:t>9</a:t>
+                      </a:r>
+                      <a:endParaRPr lang="zh-CN" sz="2500" kern="100" dirty="0">
+                        <a:effectLst/>
+                        <a:latin typeface="Times New Roman"/>
+                        <a:ea typeface="Times New Roman"/>
+                        <a:cs typeface="Times New Roman"/>
+                      </a:endParaRPr>
+                    </a:p>
+                  </a:txBody>
+                  <a:tcPr marL="68580" marR="68580" marT="0" marB="0"/>
+                </a:tc>
+                <a:tc>
+                  <a:txBody>
+                    <a:bodyPr/>
+                    <a:lstStyle/>
+                    <a:p>
+                      <a:pPr algn="ctr">
+                        <a:lnSpc>
+                          <a:spcPct val="200000"/>
+                        </a:lnSpc>
+                        <a:spcAft>
+                          <a:spcPts val="0"/>
+                        </a:spcAft>
+                      </a:pPr>
+                      <a:r>
+                        <a:rPr lang="en-US" sz="2500" kern="100" dirty="0">
+                          <a:effectLst/>
+                        </a:rPr>
+                        <a:t>4</a:t>
+                      </a:r>
+                      <a:endParaRPr lang="zh-CN" sz="2500" kern="100" dirty="0">
+                        <a:effectLst/>
+                        <a:latin typeface="Times New Roman"/>
+                        <a:ea typeface="Times New Roman"/>
+                        <a:cs typeface="Times New Roman"/>
+                      </a:endParaRPr>
+                    </a:p>
+                  </a:txBody>
+                  <a:tcPr marL="68580" marR="68580" marT="0" marB="0"/>
+                </a:tc>
+                <a:tc>
+                  <a:txBody>
+                    <a:bodyPr/>
+                    <a:lstStyle/>
+                    <a:p>
+                      <a:pPr algn="ctr">
+                        <a:lnSpc>
+                          <a:spcPct val="200000"/>
+                        </a:lnSpc>
+                        <a:spcAft>
+                          <a:spcPts val="0"/>
+                        </a:spcAft>
+                      </a:pPr>
+                      <a:r>
+                        <a:rPr lang="en-US" sz="2500" kern="100">
+                          <a:effectLst/>
+                        </a:rPr>
+                        <a:t>5</a:t>
+                      </a:r>
+                      <a:endParaRPr lang="zh-CN" sz="2500" kern="100">
+                        <a:effectLst/>
+                        <a:latin typeface="Times New Roman"/>
+                        <a:ea typeface="Times New Roman"/>
+                        <a:cs typeface="Times New Roman"/>
+                      </a:endParaRPr>
+                    </a:p>
+                  </a:txBody>
+                  <a:tcPr marL="68580" marR="68580" marT="0" marB="0"/>
+                </a:tc>
+              </a:tr>
+              <a:tr h="782708">
+                <a:tc>
+                  <a:txBody>
+                    <a:bodyPr/>
+                    <a:lstStyle/>
+                    <a:p>
+                      <a:pPr>
+                        <a:lnSpc>
+                          <a:spcPct val="200000"/>
+                        </a:lnSpc>
+                        <a:spcAft>
+                          <a:spcPts val="0"/>
+                        </a:spcAft>
+                      </a:pPr>
+                      <a:r>
+                        <a:rPr lang="en-US" sz="2000" kern="100">
+                          <a:effectLst/>
+                        </a:rPr>
+                        <a:t>durable</a:t>
+                      </a:r>
+                      <a:endParaRPr lang="zh-CN" sz="2000" kern="100">
+                        <a:effectLst/>
+                        <a:latin typeface="Times New Roman"/>
+                        <a:ea typeface="Times New Roman"/>
+                        <a:cs typeface="Times New Roman"/>
+                      </a:endParaRPr>
+                    </a:p>
+                  </a:txBody>
+                  <a:tcPr marL="68580" marR="68580" marT="0" marB="0"/>
+                </a:tc>
+                <a:tc>
+                  <a:txBody>
+                    <a:bodyPr/>
+                    <a:lstStyle/>
+                    <a:p>
+                      <a:pPr algn="ctr">
+                        <a:lnSpc>
+                          <a:spcPct val="200000"/>
+                        </a:lnSpc>
+                        <a:spcAft>
+                          <a:spcPts val="0"/>
+                        </a:spcAft>
+                      </a:pPr>
+                      <a:r>
+                        <a:rPr lang="en-US" sz="2500" kern="100">
+                          <a:effectLst/>
+                        </a:rPr>
+                        <a:t>30%</a:t>
+                      </a:r>
+                      <a:endParaRPr lang="zh-CN" sz="2500" kern="100">
+                        <a:effectLst/>
+                        <a:latin typeface="Times New Roman"/>
+                        <a:ea typeface="Times New Roman"/>
+                        <a:cs typeface="Times New Roman"/>
+                      </a:endParaRPr>
+                    </a:p>
+                  </a:txBody>
+                  <a:tcPr marL="68580" marR="68580" marT="0" marB="0"/>
+                </a:tc>
+                <a:tc>
+                  <a:txBody>
+                    <a:bodyPr/>
+                    <a:lstStyle/>
+                    <a:p>
+                      <a:pPr algn="ctr">
+                        <a:lnSpc>
+                          <a:spcPct val="200000"/>
+                        </a:lnSpc>
+                        <a:spcAft>
+                          <a:spcPts val="0"/>
+                        </a:spcAft>
+                      </a:pPr>
+                      <a:r>
+                        <a:rPr lang="en-US" sz="2500" kern="100" dirty="0">
+                          <a:effectLst/>
+                        </a:rPr>
+                        <a:t>8</a:t>
+                      </a:r>
+                      <a:endParaRPr lang="zh-CN" sz="2500" kern="100" dirty="0">
+                        <a:effectLst/>
+                        <a:latin typeface="Times New Roman"/>
+                        <a:ea typeface="Times New Roman"/>
+                        <a:cs typeface="Times New Roman"/>
+                      </a:endParaRPr>
+                    </a:p>
+                  </a:txBody>
+                  <a:tcPr marL="68580" marR="68580" marT="0" marB="0"/>
+                </a:tc>
+                <a:tc>
+                  <a:txBody>
+                    <a:bodyPr/>
+                    <a:lstStyle/>
+                    <a:p>
+                      <a:pPr algn="ctr">
+                        <a:lnSpc>
+                          <a:spcPct val="200000"/>
+                        </a:lnSpc>
+                        <a:spcAft>
+                          <a:spcPts val="0"/>
+                        </a:spcAft>
+                      </a:pPr>
+                      <a:r>
+                        <a:rPr lang="en-US" sz="2500" kern="100" dirty="0">
+                          <a:effectLst/>
+                        </a:rPr>
+                        <a:t>6</a:t>
+                      </a:r>
+                      <a:endParaRPr lang="zh-CN" sz="2500" kern="100" dirty="0">
+                        <a:effectLst/>
+                        <a:latin typeface="Times New Roman"/>
+                        <a:ea typeface="Times New Roman"/>
+                        <a:cs typeface="Times New Roman"/>
+                      </a:endParaRPr>
+                    </a:p>
+                  </a:txBody>
+                  <a:tcPr marL="68580" marR="68580" marT="0" marB="0"/>
+                </a:tc>
+                <a:tc>
+                  <a:txBody>
+                    <a:bodyPr/>
+                    <a:lstStyle/>
+                    <a:p>
+                      <a:pPr algn="ctr">
+                        <a:lnSpc>
+                          <a:spcPct val="200000"/>
+                        </a:lnSpc>
+                        <a:spcAft>
+                          <a:spcPts val="0"/>
+                        </a:spcAft>
+                      </a:pPr>
+                      <a:r>
+                        <a:rPr lang="en-US" sz="2500" kern="100" dirty="0">
+                          <a:effectLst/>
+                        </a:rPr>
+                        <a:t>7</a:t>
+                      </a:r>
+                      <a:endParaRPr lang="zh-CN" sz="2500" kern="100" dirty="0">
+                        <a:effectLst/>
+                        <a:latin typeface="Times New Roman"/>
+                        <a:ea typeface="Times New Roman"/>
+                        <a:cs typeface="Times New Roman"/>
+                      </a:endParaRPr>
+                    </a:p>
+                  </a:txBody>
+                  <a:tcPr marL="68580" marR="68580" marT="0" marB="0"/>
+                </a:tc>
+                <a:tc>
+                  <a:txBody>
+                    <a:bodyPr/>
+                    <a:lstStyle/>
+                    <a:p>
+                      <a:pPr algn="ctr">
+                        <a:lnSpc>
+                          <a:spcPct val="200000"/>
+                        </a:lnSpc>
+                        <a:spcAft>
+                          <a:spcPts val="0"/>
+                        </a:spcAft>
+                      </a:pPr>
+                      <a:r>
+                        <a:rPr lang="en-US" sz="2500" kern="100" dirty="0">
+                          <a:effectLst/>
+                        </a:rPr>
+                        <a:t>6</a:t>
+                      </a:r>
+                      <a:endParaRPr lang="zh-CN" sz="2500" kern="100" dirty="0">
+                        <a:effectLst/>
+                        <a:latin typeface="Times New Roman"/>
+                        <a:ea typeface="Times New Roman"/>
+                        <a:cs typeface="Times New Roman"/>
+                      </a:endParaRPr>
+                    </a:p>
+                  </a:txBody>
+                  <a:tcPr marL="68580" marR="68580" marT="0" marB="0"/>
+                </a:tc>
+              </a:tr>
+              <a:tr h="782708">
+                <a:tc>
+                  <a:txBody>
+                    <a:bodyPr/>
+                    <a:lstStyle/>
+                    <a:p>
+                      <a:pPr>
+                        <a:lnSpc>
+                          <a:spcPct val="200000"/>
+                        </a:lnSpc>
+                        <a:spcAft>
+                          <a:spcPts val="0"/>
+                        </a:spcAft>
+                      </a:pPr>
+                      <a:r>
+                        <a:rPr lang="en-US" sz="2000" kern="100">
+                          <a:effectLst/>
+                        </a:rPr>
+                        <a:t>safety</a:t>
+                      </a:r>
+                      <a:endParaRPr lang="zh-CN" sz="2000" kern="100">
+                        <a:effectLst/>
+                        <a:latin typeface="Times New Roman"/>
+                        <a:ea typeface="Times New Roman"/>
+                        <a:cs typeface="Times New Roman"/>
+                      </a:endParaRPr>
+                    </a:p>
+                  </a:txBody>
+                  <a:tcPr marL="68580" marR="68580" marT="0" marB="0"/>
+                </a:tc>
+                <a:tc>
+                  <a:txBody>
+                    <a:bodyPr/>
+                    <a:lstStyle/>
+                    <a:p>
+                      <a:pPr algn="ctr">
+                        <a:lnSpc>
+                          <a:spcPct val="200000"/>
+                        </a:lnSpc>
+                        <a:spcAft>
+                          <a:spcPts val="0"/>
+                        </a:spcAft>
+                      </a:pPr>
+                      <a:r>
+                        <a:rPr lang="en-US" sz="2500" kern="100">
+                          <a:effectLst/>
+                        </a:rPr>
+                        <a:t>20%</a:t>
+                      </a:r>
+                      <a:endParaRPr lang="zh-CN" sz="2500" kern="100">
+                        <a:effectLst/>
+                        <a:latin typeface="Times New Roman"/>
+                        <a:ea typeface="Times New Roman"/>
+                        <a:cs typeface="Times New Roman"/>
+                      </a:endParaRPr>
+                    </a:p>
+                  </a:txBody>
+                  <a:tcPr marL="68580" marR="68580" marT="0" marB="0"/>
+                </a:tc>
+                <a:tc>
+                  <a:txBody>
+                    <a:bodyPr/>
+                    <a:lstStyle/>
+                    <a:p>
+                      <a:pPr algn="ctr">
+                        <a:lnSpc>
+                          <a:spcPct val="200000"/>
+                        </a:lnSpc>
+                        <a:spcAft>
+                          <a:spcPts val="0"/>
+                        </a:spcAft>
+                      </a:pPr>
+                      <a:r>
+                        <a:rPr lang="en-US" sz="2500" kern="100">
+                          <a:effectLst/>
+                        </a:rPr>
+                        <a:t>8</a:t>
+                      </a:r>
+                      <a:endParaRPr lang="zh-CN" sz="2500" kern="100">
+                        <a:effectLst/>
+                        <a:latin typeface="Times New Roman"/>
+                        <a:ea typeface="Times New Roman"/>
+                        <a:cs typeface="Times New Roman"/>
+                      </a:endParaRPr>
+                    </a:p>
+                  </a:txBody>
+                  <a:tcPr marL="68580" marR="68580" marT="0" marB="0"/>
+                </a:tc>
+                <a:tc>
+                  <a:txBody>
+                    <a:bodyPr/>
+                    <a:lstStyle/>
+                    <a:p>
+                      <a:pPr algn="ctr">
+                        <a:lnSpc>
+                          <a:spcPct val="200000"/>
+                        </a:lnSpc>
+                        <a:spcAft>
+                          <a:spcPts val="0"/>
+                        </a:spcAft>
+                      </a:pPr>
+                      <a:r>
+                        <a:rPr lang="en-US" sz="2500" kern="100" dirty="0">
+                          <a:effectLst/>
+                        </a:rPr>
+                        <a:t>6</a:t>
+                      </a:r>
+                      <a:endParaRPr lang="zh-CN" sz="2500" kern="100" dirty="0">
+                        <a:effectLst/>
+                        <a:latin typeface="Times New Roman"/>
+                        <a:ea typeface="Times New Roman"/>
+                        <a:cs typeface="Times New Roman"/>
+                      </a:endParaRPr>
+                    </a:p>
+                  </a:txBody>
+                  <a:tcPr marL="68580" marR="68580" marT="0" marB="0"/>
+                </a:tc>
+                <a:tc>
+                  <a:txBody>
+                    <a:bodyPr/>
+                    <a:lstStyle/>
+                    <a:p>
+                      <a:pPr algn="ctr">
+                        <a:lnSpc>
+                          <a:spcPct val="200000"/>
+                        </a:lnSpc>
+                        <a:spcAft>
+                          <a:spcPts val="0"/>
+                        </a:spcAft>
+                      </a:pPr>
+                      <a:r>
+                        <a:rPr lang="en-US" sz="2500" kern="100" dirty="0">
+                          <a:effectLst/>
+                        </a:rPr>
+                        <a:t>7</a:t>
+                      </a:r>
+                      <a:endParaRPr lang="zh-CN" sz="2500" kern="100" dirty="0">
+                        <a:effectLst/>
+                        <a:latin typeface="Times New Roman"/>
+                        <a:ea typeface="Times New Roman"/>
+                        <a:cs typeface="Times New Roman"/>
+                      </a:endParaRPr>
+                    </a:p>
+                  </a:txBody>
+                  <a:tcPr marL="68580" marR="68580" marT="0" marB="0"/>
+                </a:tc>
+                <a:tc>
+                  <a:txBody>
+                    <a:bodyPr/>
+                    <a:lstStyle/>
+                    <a:p>
+                      <a:pPr algn="ctr">
+                        <a:lnSpc>
+                          <a:spcPct val="200000"/>
+                        </a:lnSpc>
+                        <a:spcAft>
+                          <a:spcPts val="0"/>
+                        </a:spcAft>
+                      </a:pPr>
+                      <a:r>
+                        <a:rPr lang="en-US" sz="2500" kern="100" dirty="0">
+                          <a:effectLst/>
+                        </a:rPr>
+                        <a:t>8</a:t>
+                      </a:r>
+                      <a:endParaRPr lang="zh-CN" sz="2500" kern="100" dirty="0">
+                        <a:effectLst/>
+                        <a:latin typeface="Times New Roman"/>
+                        <a:ea typeface="Times New Roman"/>
+                        <a:cs typeface="Times New Roman"/>
+                      </a:endParaRPr>
+                    </a:p>
+                  </a:txBody>
+                  <a:tcPr marL="68580" marR="68580" marT="0" marB="0"/>
+                </a:tc>
+              </a:tr>
+              <a:tr h="782708">
+                <a:tc>
+                  <a:txBody>
+                    <a:bodyPr/>
+                    <a:lstStyle/>
+                    <a:p>
+                      <a:pPr>
+                        <a:lnSpc>
+                          <a:spcPct val="200000"/>
+                        </a:lnSpc>
+                        <a:spcAft>
+                          <a:spcPts val="0"/>
+                        </a:spcAft>
+                      </a:pPr>
+                      <a:r>
+                        <a:rPr lang="en-US" sz="2000" kern="100">
+                          <a:effectLst/>
+                        </a:rPr>
+                        <a:t>total</a:t>
+                      </a:r>
+                      <a:endParaRPr lang="zh-CN" sz="2000" kern="100">
+                        <a:effectLst/>
+                        <a:latin typeface="Times New Roman"/>
+                        <a:ea typeface="Times New Roman"/>
+                        <a:cs typeface="Times New Roman"/>
+                      </a:endParaRPr>
+                    </a:p>
+                  </a:txBody>
+                  <a:tcPr marL="68580" marR="68580" marT="0" marB="0"/>
+                </a:tc>
+                <a:tc>
+                  <a:txBody>
+                    <a:bodyPr/>
+                    <a:lstStyle/>
+                    <a:p>
+                      <a:pPr algn="ctr">
+                        <a:lnSpc>
+                          <a:spcPct val="200000"/>
+                        </a:lnSpc>
+                        <a:spcAft>
+                          <a:spcPts val="0"/>
+                        </a:spcAft>
+                      </a:pPr>
+                      <a:r>
+                        <a:rPr lang="en-US" sz="2500" kern="100">
+                          <a:effectLst/>
+                        </a:rPr>
+                        <a:t>100%</a:t>
+                      </a:r>
+                      <a:endParaRPr lang="zh-CN" sz="2500" kern="100">
+                        <a:effectLst/>
+                        <a:latin typeface="Times New Roman"/>
+                        <a:ea typeface="Times New Roman"/>
+                        <a:cs typeface="Times New Roman"/>
+                      </a:endParaRPr>
+                    </a:p>
+                  </a:txBody>
+                  <a:tcPr marL="68580" marR="68580" marT="0" marB="0"/>
+                </a:tc>
+                <a:tc>
+                  <a:txBody>
+                    <a:bodyPr/>
+                    <a:lstStyle/>
+                    <a:p>
+                      <a:pPr algn="ctr">
+                        <a:lnSpc>
+                          <a:spcPct val="200000"/>
+                        </a:lnSpc>
+                        <a:spcAft>
+                          <a:spcPts val="0"/>
+                        </a:spcAft>
+                      </a:pPr>
+                      <a:r>
+                        <a:rPr lang="en-US" sz="2500" kern="100">
+                          <a:effectLst/>
+                        </a:rPr>
+                        <a:t>75</a:t>
+                      </a:r>
+                      <a:endParaRPr lang="zh-CN" sz="2500" kern="100">
+                        <a:effectLst/>
+                        <a:latin typeface="Times New Roman"/>
+                        <a:ea typeface="Times New Roman"/>
+                        <a:cs typeface="Times New Roman"/>
+                      </a:endParaRPr>
+                    </a:p>
+                  </a:txBody>
+                  <a:tcPr marL="68580" marR="68580" marT="0" marB="0"/>
+                </a:tc>
+                <a:tc>
+                  <a:txBody>
+                    <a:bodyPr/>
+                    <a:lstStyle/>
+                    <a:p>
+                      <a:pPr algn="ctr">
+                        <a:lnSpc>
+                          <a:spcPct val="200000"/>
+                        </a:lnSpc>
+                        <a:spcAft>
+                          <a:spcPts val="0"/>
+                        </a:spcAft>
+                      </a:pPr>
+                      <a:r>
+                        <a:rPr lang="en-US" sz="2500" kern="100">
+                          <a:effectLst/>
+                        </a:rPr>
+                        <a:t>67</a:t>
+                      </a:r>
+                      <a:endParaRPr lang="zh-CN" sz="2500" kern="100">
+                        <a:effectLst/>
+                        <a:latin typeface="Times New Roman"/>
+                        <a:ea typeface="Times New Roman"/>
+                        <a:cs typeface="Times New Roman"/>
+                      </a:endParaRPr>
+                    </a:p>
+                  </a:txBody>
+                  <a:tcPr marL="68580" marR="68580" marT="0" marB="0"/>
+                </a:tc>
+                <a:tc>
+                  <a:txBody>
+                    <a:bodyPr/>
+                    <a:lstStyle/>
+                    <a:p>
+                      <a:pPr algn="ctr">
+                        <a:lnSpc>
+                          <a:spcPct val="200000"/>
+                        </a:lnSpc>
+                        <a:spcAft>
+                          <a:spcPts val="0"/>
+                        </a:spcAft>
+                      </a:pPr>
+                      <a:r>
+                        <a:rPr lang="en-US" sz="2500" kern="100" dirty="0">
+                          <a:effectLst/>
+                        </a:rPr>
+                        <a:t>63</a:t>
+                      </a:r>
+                      <a:endParaRPr lang="zh-CN" sz="2500" kern="100" dirty="0">
+                        <a:effectLst/>
+                        <a:latin typeface="Times New Roman"/>
+                        <a:ea typeface="Times New Roman"/>
+                        <a:cs typeface="Times New Roman"/>
+                      </a:endParaRPr>
+                    </a:p>
+                  </a:txBody>
+                  <a:tcPr marL="68580" marR="68580" marT="0" marB="0"/>
+                </a:tc>
+                <a:tc>
+                  <a:txBody>
+                    <a:bodyPr/>
+                    <a:lstStyle/>
+                    <a:p>
+                      <a:pPr algn="ctr">
+                        <a:lnSpc>
+                          <a:spcPct val="200000"/>
+                        </a:lnSpc>
+                        <a:spcAft>
+                          <a:spcPts val="0"/>
+                        </a:spcAft>
+                      </a:pPr>
+                      <a:r>
+                        <a:rPr lang="en-US" sz="2500" kern="100" dirty="0">
+                          <a:effectLst/>
+                        </a:rPr>
+                        <a:t>67</a:t>
+                      </a:r>
+                      <a:endParaRPr lang="zh-CN" sz="2500" kern="100" dirty="0">
+                        <a:effectLst/>
+                        <a:latin typeface="Times New Roman"/>
+                        <a:ea typeface="Times New Roman"/>
+                        <a:cs typeface="Times New Roman"/>
+                      </a:endParaRPr>
+                    </a:p>
+                  </a:txBody>
+                  <a:tcPr marL="68580" marR="68580" marT="0" marB="0"/>
+                </a:tc>
+              </a:tr>
+            </a:tbl>
+          </a:graphicData>
+        </a:graphic>
+      </p:graphicFrame>
     </p:spTree>
     <p:extLst>
       <p:ext uri="{BB962C8B-B14F-4D97-AF65-F5344CB8AC3E}">
-        <p14:creationId xmlns:p14="http://schemas.microsoft.com/office/powerpoint/2010/main" val="3162126233"/>
+        <p14:creationId xmlns:p14="http://schemas.microsoft.com/office/powerpoint/2010/main" val="4047755394"/>
       </p:ext>
     </p:extLst>
   </p:cSld>
   <p:clrMapOvr>
     <a:masterClrMapping/>
   </p:clrMapOvr>
-  <p:timing>
-    <p:tnLst>
-      <p:par>
-        <p:cTn id="1" dur="indefinite" restart="never" nodeType="tmRoot"/>
-      </p:par>
-    </p:tnLst>
-  </p:timing>
 </p:sld>
 </file>
 
-<file path=ppt/slides/slide5.xml><?xml version="1.0" encoding="utf-8"?>
+<file path=ppt/slides/slide8.xml><?xml version="1.0" encoding="utf-8"?>
 <p:sld xmlns:a="http://schemas.openxmlformats.org/drawingml/2006/main" xmlns:r="http://schemas.openxmlformats.org/officeDocument/2006/relationships" xmlns:p="http://schemas.openxmlformats.org/presentationml/2006/main">
   <p:cSld>
     <p:spTree>
@@ -3661,68 +6327,138 @@
         </p:nvSpPr>
         <p:spPr/>
         <p:txBody>
-          <a:bodyPr>
-            <a:normAutofit/>
-          </a:bodyPr>
+          <a:bodyPr/>
           <a:lstStyle/>
           <a:p>
             <a:r>
               <a:rPr lang="en-US" altLang="zh-CN" dirty="0" smtClean="0"/>
-              <a:t>Thank You</a:t>
+              <a:t>Blueprint</a:t>
             </a:r>
             <a:endParaRPr lang="zh-CN" altLang="en-US" dirty="0"/>
           </a:p>
         </p:txBody>
       </p:sp>
-      <p:sp>
-        <p:nvSpPr>
-          <p:cNvPr id="3" name="内容占位符 2"/>
-          <p:cNvSpPr>
-            <a:spLocks noGrp="1"/>
-          </p:cNvSpPr>
+      <p:pic>
+        <p:nvPicPr>
+          <p:cNvPr id="4" name="内容占位符 3"/>
+          <p:cNvPicPr>
+            <a:picLocks noGrp="1" noChangeAspect="1"/>
+          </p:cNvPicPr>
           <p:nvPr>
             <p:ph idx="1"/>
           </p:nvPr>
-        </p:nvSpPr>
-        <p:spPr/>
-        <p:txBody>
-          <a:bodyPr/>
-          <a:lstStyle/>
-          <a:p>
-            <a:endParaRPr lang="en-US" altLang="zh-CN" dirty="0" smtClean="0"/>
-          </a:p>
-          <a:p>
-            <a:endParaRPr lang="en-US" altLang="zh-CN" dirty="0"/>
-          </a:p>
-          <a:p>
-            <a:pPr marL="0" indent="0" algn="ctr">
-              <a:buNone/>
-            </a:pPr>
-            <a:r>
-              <a:rPr lang="en-US" altLang="zh-CN" dirty="0" smtClean="0"/>
-              <a:t>Any question?</a:t>
-            </a:r>
-            <a:endParaRPr lang="zh-CN" altLang="en-US" dirty="0"/>
-          </a:p>
-        </p:txBody>
-      </p:sp>
+        </p:nvPicPr>
+        <p:blipFill>
+          <a:blip r:embed="rId2">
+            <a:extLst>
+              <a:ext uri="{28A0092B-C50C-407E-A947-70E740481C1C}">
+                <a14:useLocalDpi xmlns:a14="http://schemas.microsoft.com/office/drawing/2010/main" val="0"/>
+              </a:ext>
+            </a:extLst>
+          </a:blip>
+          <a:stretch>
+            <a:fillRect/>
+          </a:stretch>
+        </p:blipFill>
+        <p:spPr>
+          <a:xfrm>
+            <a:off x="2051720" y="1340768"/>
+            <a:ext cx="5215310" cy="5215310"/>
+          </a:xfrm>
+        </p:spPr>
+      </p:pic>
     </p:spTree>
     <p:extLst>
       <p:ext uri="{BB962C8B-B14F-4D97-AF65-F5344CB8AC3E}">
-        <p14:creationId xmlns:p14="http://schemas.microsoft.com/office/powerpoint/2010/main" val="4235027356"/>
+        <p14:creationId xmlns:p14="http://schemas.microsoft.com/office/powerpoint/2010/main" val="94298355"/>
       </p:ext>
     </p:extLst>
   </p:cSld>
   <p:clrMapOvr>
     <a:masterClrMapping/>
   </p:clrMapOvr>
-  <p:timing>
-    <p:tnLst>
-      <p:par>
-        <p:cTn id="1" dur="indefinite" restart="never" nodeType="tmRoot"/>
-      </p:par>
-    </p:tnLst>
-  </p:timing>
+</p:sld>
+</file>
+
+<file path=ppt/slides/slide9.xml><?xml version="1.0" encoding="utf-8"?>
+<p:sld xmlns:a="http://schemas.openxmlformats.org/drawingml/2006/main" xmlns:r="http://schemas.openxmlformats.org/officeDocument/2006/relationships" xmlns:p="http://schemas.openxmlformats.org/presentationml/2006/main">
+  <p:cSld>
+    <p:spTree>
+      <p:nvGrpSpPr>
+        <p:cNvPr id="1" name=""/>
+        <p:cNvGrpSpPr/>
+        <p:nvPr/>
+      </p:nvGrpSpPr>
+      <p:grpSpPr>
+        <a:xfrm>
+          <a:off x="0" y="0"/>
+          <a:ext cx="0" cy="0"/>
+          <a:chOff x="0" y="0"/>
+          <a:chExt cx="0" cy="0"/>
+        </a:xfrm>
+      </p:grpSpPr>
+      <p:sp>
+        <p:nvSpPr>
+          <p:cNvPr id="2" name="标题 1"/>
+          <p:cNvSpPr>
+            <a:spLocks noGrp="1"/>
+          </p:cNvSpPr>
+          <p:nvPr>
+            <p:ph type="title"/>
+          </p:nvPr>
+        </p:nvSpPr>
+        <p:spPr/>
+        <p:txBody>
+          <a:bodyPr/>
+          <a:lstStyle/>
+          <a:p>
+            <a:r>
+              <a:rPr lang="en-US" altLang="zh-CN" dirty="0" smtClean="0"/>
+              <a:t>Blueprint</a:t>
+            </a:r>
+            <a:endParaRPr lang="zh-CN" altLang="en-US" dirty="0"/>
+          </a:p>
+        </p:txBody>
+      </p:sp>
+      <p:pic>
+        <p:nvPicPr>
+          <p:cNvPr id="4" name="内容占位符 3"/>
+          <p:cNvPicPr>
+            <a:picLocks noGrp="1" noChangeAspect="1"/>
+          </p:cNvPicPr>
+          <p:nvPr>
+            <p:ph idx="1"/>
+          </p:nvPr>
+        </p:nvPicPr>
+        <p:blipFill>
+          <a:blip r:embed="rId2">
+            <a:extLst>
+              <a:ext uri="{28A0092B-C50C-407E-A947-70E740481C1C}">
+                <a14:useLocalDpi xmlns:a14="http://schemas.microsoft.com/office/drawing/2010/main" val="0"/>
+              </a:ext>
+            </a:extLst>
+          </a:blip>
+          <a:stretch>
+            <a:fillRect/>
+          </a:stretch>
+        </p:blipFill>
+        <p:spPr>
+          <a:xfrm>
+            <a:off x="1115616" y="1196752"/>
+            <a:ext cx="6984776" cy="5079837"/>
+          </a:xfrm>
+        </p:spPr>
+      </p:pic>
+    </p:spTree>
+    <p:extLst>
+      <p:ext uri="{BB962C8B-B14F-4D97-AF65-F5344CB8AC3E}">
+        <p14:creationId xmlns:p14="http://schemas.microsoft.com/office/powerpoint/2010/main" val="2175509161"/>
+      </p:ext>
+    </p:extLst>
+  </p:cSld>
+  <p:clrMapOvr>
+    <a:masterClrMapping/>
+  </p:clrMapOvr>
 </p:sld>
 </file>
 
@@ -4009,4 +6745,289 @@
   <a:objectDefaults/>
   <a:extraClrSchemeLst/>
 </a:theme>
+</file>
+
+<file path=ppt/theme/theme2.xml><?xml version="1.0" encoding="utf-8"?>
+<a:theme xmlns:a="http://schemas.openxmlformats.org/drawingml/2006/main" name="Office 主题​​">
+  <a:themeElements>
+    <a:clrScheme name="Office">
+      <a:dk1>
+        <a:sysClr val="windowText" lastClr="000000"/>
+      </a:dk1>
+      <a:lt1>
+        <a:sysClr val="window" lastClr="FFFFFF"/>
+      </a:lt1>
+      <a:dk2>
+        <a:srgbClr val="1F497D"/>
+      </a:dk2>
+      <a:lt2>
+        <a:srgbClr val="EEECE1"/>
+      </a:lt2>
+      <a:accent1>
+        <a:srgbClr val="4F81BD"/>
+      </a:accent1>
+      <a:accent2>
+        <a:srgbClr val="C0504D"/>
+      </a:accent2>
+      <a:accent3>
+        <a:srgbClr val="9BBB59"/>
+      </a:accent3>
+      <a:accent4>
+        <a:srgbClr val="8064A2"/>
+      </a:accent4>
+      <a:accent5>
+        <a:srgbClr val="4BACC6"/>
+      </a:accent5>
+      <a:accent6>
+        <a:srgbClr val="F79646"/>
+      </a:accent6>
+      <a:hlink>
+        <a:srgbClr val="0000FF"/>
+      </a:hlink>
+      <a:folHlink>
+        <a:srgbClr val="800080"/>
+      </a:folHlink>
+    </a:clrScheme>
+    <a:fontScheme name="Office">
+      <a:majorFont>
+        <a:latin typeface="Calibri"/>
+        <a:ea typeface=""/>
+        <a:cs typeface=""/>
+        <a:font script="Jpan" typeface="ＭＳ Ｐゴシック"/>
+        <a:font script="Hang" typeface="맑은 고딕"/>
+        <a:font script="Hans" typeface="宋体"/>
+        <a:font script="Hant" typeface="新細明體"/>
+        <a:font script="Arab" typeface="Times New Roman"/>
+        <a:font script="Hebr" typeface="Times New Roman"/>
+        <a:font script="Thai" typeface="Angsana New"/>
+        <a:font script="Ethi" typeface="Nyala"/>
+        <a:font script="Beng" typeface="Vrinda"/>
+        <a:font script="Gujr" typeface="Shruti"/>
+        <a:font script="Khmr" typeface="MoolBoran"/>
+        <a:font script="Knda" typeface="Tunga"/>
+        <a:font script="Guru" typeface="Raavi"/>
+        <a:font script="Cans" typeface="Euphemia"/>
+        <a:font script="Cher" typeface="Plantagenet Cherokee"/>
+        <a:font script="Yiii" typeface="Microsoft Yi Baiti"/>
+        <a:font script="Tibt" typeface="Microsoft Himalaya"/>
+        <a:font script="Thaa" typeface="MV Boli"/>
+        <a:font script="Deva" typeface="Mangal"/>
+        <a:font script="Telu" typeface="Gautami"/>
+        <a:font script="Taml" typeface="Latha"/>
+        <a:font script="Syrc" typeface="Estrangelo Edessa"/>
+        <a:font script="Orya" typeface="Kalinga"/>
+        <a:font script="Mlym" typeface="Kartika"/>
+        <a:font script="Laoo" typeface="DokChampa"/>
+        <a:font script="Sinh" typeface="Iskoola Pota"/>
+        <a:font script="Mong" typeface="Mongolian Baiti"/>
+        <a:font script="Viet" typeface="Times New Roman"/>
+        <a:font script="Uigh" typeface="Microsoft Uighur"/>
+        <a:font script="Geor" typeface="Sylfaen"/>
+      </a:majorFont>
+      <a:minorFont>
+        <a:latin typeface="Calibri"/>
+        <a:ea typeface=""/>
+        <a:cs typeface=""/>
+        <a:font script="Jpan" typeface="ＭＳ Ｐゴシック"/>
+        <a:font script="Hang" typeface="맑은 고딕"/>
+        <a:font script="Hans" typeface="宋体"/>
+        <a:font script="Hant" typeface="新細明體"/>
+        <a:font script="Arab" typeface="Arial"/>
+        <a:font script="Hebr" typeface="Arial"/>
+        <a:font script="Thai" typeface="Cordia New"/>
+        <a:font script="Ethi" typeface="Nyala"/>
+        <a:font script="Beng" typeface="Vrinda"/>
+        <a:font script="Gujr" typeface="Shruti"/>
+        <a:font script="Khmr" typeface="DaunPenh"/>
+        <a:font script="Knda" typeface="Tunga"/>
+        <a:font script="Guru" typeface="Raavi"/>
+        <a:font script="Cans" typeface="Euphemia"/>
+        <a:font script="Cher" typeface="Plantagenet Cherokee"/>
+        <a:font script="Yiii" typeface="Microsoft Yi Baiti"/>
+        <a:font script="Tibt" typeface="Microsoft Himalaya"/>
+        <a:font script="Thaa" typeface="MV Boli"/>
+        <a:font script="Deva" typeface="Mangal"/>
+        <a:font script="Telu" typeface="Gautami"/>
+        <a:font script="Taml" typeface="Latha"/>
+        <a:font script="Syrc" typeface="Estrangelo Edessa"/>
+        <a:font script="Orya" typeface="Kalinga"/>
+        <a:font script="Mlym" typeface="Kartika"/>
+        <a:font script="Laoo" typeface="DokChampa"/>
+        <a:font script="Sinh" typeface="Iskoola Pota"/>
+        <a:font script="Mong" typeface="Mongolian Baiti"/>
+        <a:font script="Viet" typeface="Arial"/>
+        <a:font script="Uigh" typeface="Microsoft Uighur"/>
+        <a:font script="Geor" typeface="Sylfaen"/>
+      </a:minorFont>
+    </a:fontScheme>
+    <a:fmtScheme name="Office">
+      <a:fillStyleLst>
+        <a:solidFill>
+          <a:schemeClr val="phClr"/>
+        </a:solidFill>
+        <a:gradFill rotWithShape="1">
+          <a:gsLst>
+            <a:gs pos="0">
+              <a:schemeClr val="phClr">
+                <a:tint val="50000"/>
+                <a:satMod val="300000"/>
+              </a:schemeClr>
+            </a:gs>
+            <a:gs pos="35000">
+              <a:schemeClr val="phClr">
+                <a:tint val="37000"/>
+                <a:satMod val="300000"/>
+              </a:schemeClr>
+            </a:gs>
+            <a:gs pos="100000">
+              <a:schemeClr val="phClr">
+                <a:tint val="15000"/>
+                <a:satMod val="350000"/>
+              </a:schemeClr>
+            </a:gs>
+          </a:gsLst>
+          <a:lin ang="16200000" scaled="1"/>
+        </a:gradFill>
+        <a:gradFill rotWithShape="1">
+          <a:gsLst>
+            <a:gs pos="0">
+              <a:schemeClr val="phClr">
+                <a:shade val="51000"/>
+                <a:satMod val="130000"/>
+              </a:schemeClr>
+            </a:gs>
+            <a:gs pos="80000">
+              <a:schemeClr val="phClr">
+                <a:shade val="93000"/>
+                <a:satMod val="130000"/>
+              </a:schemeClr>
+            </a:gs>
+            <a:gs pos="100000">
+              <a:schemeClr val="phClr">
+                <a:shade val="94000"/>
+                <a:satMod val="135000"/>
+              </a:schemeClr>
+            </a:gs>
+          </a:gsLst>
+          <a:lin ang="16200000" scaled="0"/>
+        </a:gradFill>
+      </a:fillStyleLst>
+      <a:lnStyleLst>
+        <a:ln w="9525" cap="flat" cmpd="sng" algn="ctr">
+          <a:solidFill>
+            <a:schemeClr val="phClr">
+              <a:shade val="95000"/>
+              <a:satMod val="105000"/>
+            </a:schemeClr>
+          </a:solidFill>
+          <a:prstDash val="solid"/>
+        </a:ln>
+        <a:ln w="25400" cap="flat" cmpd="sng" algn="ctr">
+          <a:solidFill>
+            <a:schemeClr val="phClr"/>
+          </a:solidFill>
+          <a:prstDash val="solid"/>
+        </a:ln>
+        <a:ln w="38100" cap="flat" cmpd="sng" algn="ctr">
+          <a:solidFill>
+            <a:schemeClr val="phClr"/>
+          </a:solidFill>
+          <a:prstDash val="solid"/>
+        </a:ln>
+      </a:lnStyleLst>
+      <a:effectStyleLst>
+        <a:effectStyle>
+          <a:effectLst>
+            <a:outerShdw blurRad="40000" dist="20000" dir="5400000" rotWithShape="0">
+              <a:srgbClr val="000000">
+                <a:alpha val="38000"/>
+              </a:srgbClr>
+            </a:outerShdw>
+          </a:effectLst>
+        </a:effectStyle>
+        <a:effectStyle>
+          <a:effectLst>
+            <a:outerShdw blurRad="40000" dist="23000" dir="5400000" rotWithShape="0">
+              <a:srgbClr val="000000">
+                <a:alpha val="35000"/>
+              </a:srgbClr>
+            </a:outerShdw>
+          </a:effectLst>
+        </a:effectStyle>
+        <a:effectStyle>
+          <a:effectLst>
+            <a:outerShdw blurRad="40000" dist="23000" dir="5400000" rotWithShape="0">
+              <a:srgbClr val="000000">
+                <a:alpha val="35000"/>
+              </a:srgbClr>
+            </a:outerShdw>
+          </a:effectLst>
+          <a:scene3d>
+            <a:camera prst="orthographicFront">
+              <a:rot lat="0" lon="0" rev="0"/>
+            </a:camera>
+            <a:lightRig rig="threePt" dir="t">
+              <a:rot lat="0" lon="0" rev="1200000"/>
+            </a:lightRig>
+          </a:scene3d>
+          <a:sp3d>
+            <a:bevelT w="63500" h="25400"/>
+          </a:sp3d>
+        </a:effectStyle>
+      </a:effectStyleLst>
+      <a:bgFillStyleLst>
+        <a:solidFill>
+          <a:schemeClr val="phClr"/>
+        </a:solidFill>
+        <a:gradFill rotWithShape="1">
+          <a:gsLst>
+            <a:gs pos="0">
+              <a:schemeClr val="phClr">
+                <a:tint val="40000"/>
+                <a:satMod val="350000"/>
+              </a:schemeClr>
+            </a:gs>
+            <a:gs pos="40000">
+              <a:schemeClr val="phClr">
+                <a:tint val="45000"/>
+                <a:shade val="99000"/>
+                <a:satMod val="350000"/>
+              </a:schemeClr>
+            </a:gs>
+            <a:gs pos="100000">
+              <a:schemeClr val="phClr">
+                <a:shade val="20000"/>
+                <a:satMod val="255000"/>
+              </a:schemeClr>
+            </a:gs>
+          </a:gsLst>
+          <a:path path="circle">
+            <a:fillToRect l="50000" t="-80000" r="50000" b="180000"/>
+          </a:path>
+        </a:gradFill>
+        <a:gradFill rotWithShape="1">
+          <a:gsLst>
+            <a:gs pos="0">
+              <a:schemeClr val="phClr">
+                <a:tint val="80000"/>
+                <a:satMod val="300000"/>
+              </a:schemeClr>
+            </a:gs>
+            <a:gs pos="100000">
+              <a:schemeClr val="phClr">
+                <a:shade val="30000"/>
+                <a:satMod val="200000"/>
+              </a:schemeClr>
+            </a:gs>
+          </a:gsLst>
+          <a:path path="circle">
+            <a:fillToRect l="50000" t="50000" r="50000" b="50000"/>
+          </a:path>
+        </a:gradFill>
+      </a:bgFillStyleLst>
+    </a:fmtScheme>
+  </a:themeElements>
+  <a:objectDefaults/>
+  <a:extraClrSchemeLst/>
+</a:theme>
 </file>